--- a/[Wanted]기업과제4_뉴스기사요약모델링/Report/과제4_발표자료.pptx
+++ b/[Wanted]기업과제4_뉴스기사요약모델링/Report/과제4_발표자료.pptx
@@ -7,9 +7,11 @@
   <p:sldIdLst>
     <p:sldId id="256" r:id="rId2"/>
     <p:sldId id="257" r:id="rId3"/>
-    <p:sldId id="258" r:id="rId4"/>
-    <p:sldId id="259" r:id="rId5"/>
-    <p:sldId id="260" r:id="rId6"/>
+    <p:sldId id="262" r:id="rId4"/>
+    <p:sldId id="258" r:id="rId5"/>
+    <p:sldId id="259" r:id="rId6"/>
+    <p:sldId id="260" r:id="rId7"/>
+    <p:sldId id="261" r:id="rId8"/>
   </p:sldIdLst>
   <p:sldSz cx="12192000" cy="6858000"/>
   <p:notesSz cx="6858000" cy="9144000"/>
@@ -108,7 +110,461 @@
       </a:defRPr>
     </a:lvl9pPr>
   </p:defaultTextStyle>
+  <p:extLst>
+    <p:ext uri="{EFAFB233-063F-42B5-8137-9DF3F51BA10A}">
+      <p15:sldGuideLst xmlns:p15="http://schemas.microsoft.com/office/powerpoint/2012/main"/>
+    </p:ext>
+  </p:extLst>
 </p:presentation>
+</file>
+
+<file path=ppt/revisionInfo.xml><?xml version="1.0" encoding="utf-8"?>
+<p1510:revInfo xmlns:a="http://schemas.openxmlformats.org/drawingml/2006/main" xmlns:r="http://schemas.openxmlformats.org/officeDocument/2006/relationships" xmlns:p1510="http://schemas.microsoft.com/office/powerpoint/2015/10/main">
+  <p1510:revLst>
+    <p1510:client id="{0FE99A62-EED1-4A89-9AB0-1423C5EF2D18}" v="106" dt="2022-03-24T12:25:13.158"/>
+  </p1510:revLst>
+</p1510:revInfo>
+</file>
+
+<file path=ppt/changesInfos/changesInfo1.xml><?xml version="1.0" encoding="utf-8"?>
+<pc:chgInfo xmlns:a="http://schemas.openxmlformats.org/drawingml/2006/main" xmlns:r="http://schemas.openxmlformats.org/officeDocument/2006/relationships" xmlns:ac="http://schemas.microsoft.com/office/drawing/2013/main/command" xmlns:pc="http://schemas.microsoft.com/office/powerpoint/2013/main/command">
+  <pc:docChgLst>
+    <pc:chgData name="류제성[ 학부졸업 / 바이오의공학부 ]" userId="3a3f3c66-0f18-41b5-8b0d-013e40fcf83f" providerId="ADAL" clId="{0FE99A62-EED1-4A89-9AB0-1423C5EF2D18}"/>
+    <pc:docChg chg="undo custSel addSld modSld">
+      <pc:chgData name="류제성[ 학부졸업 / 바이오의공학부 ]" userId="3a3f3c66-0f18-41b5-8b0d-013e40fcf83f" providerId="ADAL" clId="{0FE99A62-EED1-4A89-9AB0-1423C5EF2D18}" dt="2022-03-24T12:25:18.614" v="1259" actId="14100"/>
+      <pc:docMkLst>
+        <pc:docMk/>
+      </pc:docMkLst>
+      <pc:sldChg chg="modSp mod">
+        <pc:chgData name="류제성[ 학부졸업 / 바이오의공학부 ]" userId="3a3f3c66-0f18-41b5-8b0d-013e40fcf83f" providerId="ADAL" clId="{0FE99A62-EED1-4A89-9AB0-1423C5EF2D18}" dt="2022-03-24T11:15:20.606" v="525" actId="21"/>
+        <pc:sldMkLst>
+          <pc:docMk/>
+          <pc:sldMk cId="1546756033" sldId="256"/>
+        </pc:sldMkLst>
+        <pc:spChg chg="mod">
+          <ac:chgData name="류제성[ 학부졸업 / 바이오의공학부 ]" userId="3a3f3c66-0f18-41b5-8b0d-013e40fcf83f" providerId="ADAL" clId="{0FE99A62-EED1-4A89-9AB0-1423C5EF2D18}" dt="2022-03-24T11:15:20.606" v="525" actId="21"/>
+          <ac:spMkLst>
+            <pc:docMk/>
+            <pc:sldMk cId="1546756033" sldId="256"/>
+            <ac:spMk id="3" creationId="{4F6FA0F4-FF8B-43A4-A429-9B39E7710B88}"/>
+          </ac:spMkLst>
+        </pc:spChg>
+      </pc:sldChg>
+      <pc:sldChg chg="addSp delSp modSp mod">
+        <pc:chgData name="류제성[ 학부졸업 / 바이오의공학부 ]" userId="3a3f3c66-0f18-41b5-8b0d-013e40fcf83f" providerId="ADAL" clId="{0FE99A62-EED1-4A89-9AB0-1423C5EF2D18}" dt="2022-03-24T12:18:27.794" v="1204" actId="113"/>
+        <pc:sldMkLst>
+          <pc:docMk/>
+          <pc:sldMk cId="2134195379" sldId="257"/>
+        </pc:sldMkLst>
+        <pc:spChg chg="mod">
+          <ac:chgData name="류제성[ 학부졸업 / 바이오의공학부 ]" userId="3a3f3c66-0f18-41b5-8b0d-013e40fcf83f" providerId="ADAL" clId="{0FE99A62-EED1-4A89-9AB0-1423C5EF2D18}" dt="2022-03-24T11:15:10.352" v="523"/>
+          <ac:spMkLst>
+            <pc:docMk/>
+            <pc:sldMk cId="2134195379" sldId="257"/>
+            <ac:spMk id="2" creationId="{D8AD6488-6F32-4955-8431-A9135B05B5A4}"/>
+          </ac:spMkLst>
+        </pc:spChg>
+        <pc:spChg chg="mod">
+          <ac:chgData name="류제성[ 학부졸업 / 바이오의공학부 ]" userId="3a3f3c66-0f18-41b5-8b0d-013e40fcf83f" providerId="ADAL" clId="{0FE99A62-EED1-4A89-9AB0-1423C5EF2D18}" dt="2022-03-24T12:18:27.794" v="1204" actId="113"/>
+          <ac:spMkLst>
+            <pc:docMk/>
+            <pc:sldMk cId="2134195379" sldId="257"/>
+            <ac:spMk id="3" creationId="{34186D06-4AC7-47F9-B50E-55AFBB428B82}"/>
+          </ac:spMkLst>
+        </pc:spChg>
+        <pc:spChg chg="add del mod">
+          <ac:chgData name="류제성[ 학부졸업 / 바이오의공학부 ]" userId="3a3f3c66-0f18-41b5-8b0d-013e40fcf83f" providerId="ADAL" clId="{0FE99A62-EED1-4A89-9AB0-1423C5EF2D18}" dt="2022-03-24T11:57:50.896" v="820" actId="21"/>
+          <ac:spMkLst>
+            <pc:docMk/>
+            <pc:sldMk cId="2134195379" sldId="257"/>
+            <ac:spMk id="11" creationId="{BE5905A5-9A60-4948-988F-04BC4406E02D}"/>
+          </ac:spMkLst>
+        </pc:spChg>
+        <pc:spChg chg="add mod">
+          <ac:chgData name="류제성[ 학부졸업 / 바이오의공학부 ]" userId="3a3f3c66-0f18-41b5-8b0d-013e40fcf83f" providerId="ADAL" clId="{0FE99A62-EED1-4A89-9AB0-1423C5EF2D18}" dt="2022-03-24T12:00:14.342" v="909" actId="1076"/>
+          <ac:spMkLst>
+            <pc:docMk/>
+            <pc:sldMk cId="2134195379" sldId="257"/>
+            <ac:spMk id="12" creationId="{A58C384B-BF84-43CE-9E06-A82B16F2D7FC}"/>
+          </ac:spMkLst>
+        </pc:spChg>
+        <pc:spChg chg="add mod">
+          <ac:chgData name="류제성[ 학부졸업 / 바이오의공학부 ]" userId="3a3f3c66-0f18-41b5-8b0d-013e40fcf83f" providerId="ADAL" clId="{0FE99A62-EED1-4A89-9AB0-1423C5EF2D18}" dt="2022-03-24T12:00:14.342" v="909" actId="1076"/>
+          <ac:spMkLst>
+            <pc:docMk/>
+            <pc:sldMk cId="2134195379" sldId="257"/>
+            <ac:spMk id="13" creationId="{BECDF933-07EB-47AF-BF7B-1FDF1A07DEA0}"/>
+          </ac:spMkLst>
+        </pc:spChg>
+        <pc:spChg chg="add del mod">
+          <ac:chgData name="류제성[ 학부졸업 / 바이오의공학부 ]" userId="3a3f3c66-0f18-41b5-8b0d-013e40fcf83f" providerId="ADAL" clId="{0FE99A62-EED1-4A89-9AB0-1423C5EF2D18}" dt="2022-03-24T11:57:50.896" v="820" actId="21"/>
+          <ac:spMkLst>
+            <pc:docMk/>
+            <pc:sldMk cId="2134195379" sldId="257"/>
+            <ac:spMk id="15" creationId="{DDA79847-5D75-449F-B1FC-0230136F91C6}"/>
+          </ac:spMkLst>
+        </pc:spChg>
+        <pc:spChg chg="add del mod">
+          <ac:chgData name="류제성[ 학부졸업 / 바이오의공학부 ]" userId="3a3f3c66-0f18-41b5-8b0d-013e40fcf83f" providerId="ADAL" clId="{0FE99A62-EED1-4A89-9AB0-1423C5EF2D18}" dt="2022-03-24T11:57:50.896" v="820" actId="21"/>
+          <ac:spMkLst>
+            <pc:docMk/>
+            <pc:sldMk cId="2134195379" sldId="257"/>
+            <ac:spMk id="22" creationId="{DC7B31AF-D38B-4888-9100-DAB9CE901340}"/>
+          </ac:spMkLst>
+        </pc:spChg>
+        <pc:spChg chg="add del mod">
+          <ac:chgData name="류제성[ 학부졸업 / 바이오의공학부 ]" userId="3a3f3c66-0f18-41b5-8b0d-013e40fcf83f" providerId="ADAL" clId="{0FE99A62-EED1-4A89-9AB0-1423C5EF2D18}" dt="2022-03-24T11:57:50.896" v="820" actId="21"/>
+          <ac:spMkLst>
+            <pc:docMk/>
+            <pc:sldMk cId="2134195379" sldId="257"/>
+            <ac:spMk id="23" creationId="{9A026120-6548-41E4-A09F-0525148191A5}"/>
+          </ac:spMkLst>
+        </pc:spChg>
+        <pc:spChg chg="add mod">
+          <ac:chgData name="류제성[ 학부졸업 / 바이오의공학부 ]" userId="3a3f3c66-0f18-41b5-8b0d-013e40fcf83f" providerId="ADAL" clId="{0FE99A62-EED1-4A89-9AB0-1423C5EF2D18}" dt="2022-03-24T11:56:44.667" v="770" actId="571"/>
+          <ac:spMkLst>
+            <pc:docMk/>
+            <pc:sldMk cId="2134195379" sldId="257"/>
+            <ac:spMk id="29" creationId="{21FAD217-6A72-4318-A441-8FAC3E5282B6}"/>
+          </ac:spMkLst>
+        </pc:spChg>
+        <pc:spChg chg="add mod">
+          <ac:chgData name="류제성[ 학부졸업 / 바이오의공학부 ]" userId="3a3f3c66-0f18-41b5-8b0d-013e40fcf83f" providerId="ADAL" clId="{0FE99A62-EED1-4A89-9AB0-1423C5EF2D18}" dt="2022-03-24T11:56:44.667" v="770" actId="571"/>
+          <ac:spMkLst>
+            <pc:docMk/>
+            <pc:sldMk cId="2134195379" sldId="257"/>
+            <ac:spMk id="30" creationId="{589AD003-B335-4080-B4B3-C492AA4B4A66}"/>
+          </ac:spMkLst>
+        </pc:spChg>
+        <pc:spChg chg="add mod">
+          <ac:chgData name="류제성[ 학부졸업 / 바이오의공학부 ]" userId="3a3f3c66-0f18-41b5-8b0d-013e40fcf83f" providerId="ADAL" clId="{0FE99A62-EED1-4A89-9AB0-1423C5EF2D18}" dt="2022-03-24T11:56:44.667" v="770" actId="571"/>
+          <ac:spMkLst>
+            <pc:docMk/>
+            <pc:sldMk cId="2134195379" sldId="257"/>
+            <ac:spMk id="33" creationId="{CA828124-858B-4387-92BF-ECF12C8CDE75}"/>
+          </ac:spMkLst>
+        </pc:spChg>
+        <pc:spChg chg="add mod">
+          <ac:chgData name="류제성[ 학부졸업 / 바이오의공학부 ]" userId="3a3f3c66-0f18-41b5-8b0d-013e40fcf83f" providerId="ADAL" clId="{0FE99A62-EED1-4A89-9AB0-1423C5EF2D18}" dt="2022-03-24T11:56:44.667" v="770" actId="571"/>
+          <ac:spMkLst>
+            <pc:docMk/>
+            <pc:sldMk cId="2134195379" sldId="257"/>
+            <ac:spMk id="34" creationId="{E906BCCD-0EE4-4400-8E36-EBCB673AB25A}"/>
+          </ac:spMkLst>
+        </pc:spChg>
+        <pc:spChg chg="add mod">
+          <ac:chgData name="류제성[ 학부졸업 / 바이오의공학부 ]" userId="3a3f3c66-0f18-41b5-8b0d-013e40fcf83f" providerId="ADAL" clId="{0FE99A62-EED1-4A89-9AB0-1423C5EF2D18}" dt="2022-03-24T12:00:56.013" v="946" actId="1076"/>
+          <ac:spMkLst>
+            <pc:docMk/>
+            <pc:sldMk cId="2134195379" sldId="257"/>
+            <ac:spMk id="36" creationId="{94C083E0-49CE-4135-96C7-00DA15BACF6F}"/>
+          </ac:spMkLst>
+        </pc:spChg>
+        <pc:spChg chg="add mod">
+          <ac:chgData name="류제성[ 학부졸업 / 바이오의공학부 ]" userId="3a3f3c66-0f18-41b5-8b0d-013e40fcf83f" providerId="ADAL" clId="{0FE99A62-EED1-4A89-9AB0-1423C5EF2D18}" dt="2022-03-24T12:00:14.342" v="909" actId="1076"/>
+          <ac:spMkLst>
+            <pc:docMk/>
+            <pc:sldMk cId="2134195379" sldId="257"/>
+            <ac:spMk id="37" creationId="{9AFDCB4F-D1FE-4848-9F2F-F7D0E3040541}"/>
+          </ac:spMkLst>
+        </pc:spChg>
+        <pc:spChg chg="add mod">
+          <ac:chgData name="류제성[ 학부졸업 / 바이오의공학부 ]" userId="3a3f3c66-0f18-41b5-8b0d-013e40fcf83f" providerId="ADAL" clId="{0FE99A62-EED1-4A89-9AB0-1423C5EF2D18}" dt="2022-03-24T12:00:56.013" v="946" actId="1076"/>
+          <ac:spMkLst>
+            <pc:docMk/>
+            <pc:sldMk cId="2134195379" sldId="257"/>
+            <ac:spMk id="38" creationId="{C6021EA5-3DC2-400A-8335-C093F6B39AE1}"/>
+          </ac:spMkLst>
+        </pc:spChg>
+        <pc:spChg chg="add mod">
+          <ac:chgData name="류제성[ 학부졸업 / 바이오의공학부 ]" userId="3a3f3c66-0f18-41b5-8b0d-013e40fcf83f" providerId="ADAL" clId="{0FE99A62-EED1-4A89-9AB0-1423C5EF2D18}" dt="2022-03-24T12:01:26.327" v="960" actId="14100"/>
+          <ac:spMkLst>
+            <pc:docMk/>
+            <pc:sldMk cId="2134195379" sldId="257"/>
+            <ac:spMk id="40" creationId="{700894BD-20B7-4DF7-B2D6-4ABDAAC68EB8}"/>
+          </ac:spMkLst>
+        </pc:spChg>
+        <pc:spChg chg="add mod">
+          <ac:chgData name="류제성[ 학부졸업 / 바이오의공학부 ]" userId="3a3f3c66-0f18-41b5-8b0d-013e40fcf83f" providerId="ADAL" clId="{0FE99A62-EED1-4A89-9AB0-1423C5EF2D18}" dt="2022-03-24T12:01:37.717" v="973" actId="1076"/>
+          <ac:spMkLst>
+            <pc:docMk/>
+            <pc:sldMk cId="2134195379" sldId="257"/>
+            <ac:spMk id="41" creationId="{27CA2E62-D404-4423-AF24-737F2CC6AF46}"/>
+          </ac:spMkLst>
+        </pc:spChg>
+        <pc:picChg chg="add mod">
+          <ac:chgData name="류제성[ 학부졸업 / 바이오의공학부 ]" userId="3a3f3c66-0f18-41b5-8b0d-013e40fcf83f" providerId="ADAL" clId="{0FE99A62-EED1-4A89-9AB0-1423C5EF2D18}" dt="2022-03-24T12:06:56.244" v="974" actId="732"/>
+          <ac:picMkLst>
+            <pc:docMk/>
+            <pc:sldMk cId="2134195379" sldId="257"/>
+            <ac:picMk id="27" creationId="{F84F8732-EC05-4E28-A52F-922BA6006437}"/>
+          </ac:picMkLst>
+        </pc:picChg>
+        <pc:picChg chg="add mod">
+          <ac:chgData name="류제성[ 학부졸업 / 바이오의공학부 ]" userId="3a3f3c66-0f18-41b5-8b0d-013e40fcf83f" providerId="ADAL" clId="{0FE99A62-EED1-4A89-9AB0-1423C5EF2D18}" dt="2022-03-24T12:00:14.342" v="909" actId="1076"/>
+          <ac:picMkLst>
+            <pc:docMk/>
+            <pc:sldMk cId="2134195379" sldId="257"/>
+            <ac:picMk id="2050" creationId="{4EEBEF7C-D7F1-4B96-93AE-7564F0AC9922}"/>
+          </ac:picMkLst>
+        </pc:picChg>
+        <pc:cxnChg chg="add mod">
+          <ac:chgData name="류제성[ 학부졸업 / 바이오의공학부 ]" userId="3a3f3c66-0f18-41b5-8b0d-013e40fcf83f" providerId="ADAL" clId="{0FE99A62-EED1-4A89-9AB0-1423C5EF2D18}" dt="2022-03-24T12:00:22.597" v="910" actId="1076"/>
+          <ac:cxnSpMkLst>
+            <pc:docMk/>
+            <pc:sldMk cId="2134195379" sldId="257"/>
+            <ac:cxnSpMk id="5" creationId="{A39CFA39-3951-4D3B-AB47-FE40574E7417}"/>
+          </ac:cxnSpMkLst>
+        </pc:cxnChg>
+        <pc:cxnChg chg="add mod">
+          <ac:chgData name="류제성[ 학부졸업 / 바이오의공학부 ]" userId="3a3f3c66-0f18-41b5-8b0d-013e40fcf83f" providerId="ADAL" clId="{0FE99A62-EED1-4A89-9AB0-1423C5EF2D18}" dt="2022-03-24T12:00:22.597" v="910" actId="1076"/>
+          <ac:cxnSpMkLst>
+            <pc:docMk/>
+            <pc:sldMk cId="2134195379" sldId="257"/>
+            <ac:cxnSpMk id="10" creationId="{98DA70E7-496B-46FF-918A-EFF9391C6389}"/>
+          </ac:cxnSpMkLst>
+        </pc:cxnChg>
+        <pc:cxnChg chg="add del mod">
+          <ac:chgData name="류제성[ 학부졸업 / 바이오의공학부 ]" userId="3a3f3c66-0f18-41b5-8b0d-013e40fcf83f" providerId="ADAL" clId="{0FE99A62-EED1-4A89-9AB0-1423C5EF2D18}" dt="2022-03-24T11:57:50.896" v="820" actId="21"/>
+          <ac:cxnSpMkLst>
+            <pc:docMk/>
+            <pc:sldMk cId="2134195379" sldId="257"/>
+            <ac:cxnSpMk id="16" creationId="{F2BFB40C-C263-4F02-A667-81DDE4019C5B}"/>
+          </ac:cxnSpMkLst>
+        </pc:cxnChg>
+        <pc:cxnChg chg="add del mod">
+          <ac:chgData name="류제성[ 학부졸업 / 바이오의공학부 ]" userId="3a3f3c66-0f18-41b5-8b0d-013e40fcf83f" providerId="ADAL" clId="{0FE99A62-EED1-4A89-9AB0-1423C5EF2D18}" dt="2022-03-24T11:57:50.896" v="820" actId="21"/>
+          <ac:cxnSpMkLst>
+            <pc:docMk/>
+            <pc:sldMk cId="2134195379" sldId="257"/>
+            <ac:cxnSpMk id="19" creationId="{BF502A3B-E5F4-4F61-8C48-73140AD64A92}"/>
+          </ac:cxnSpMkLst>
+        </pc:cxnChg>
+        <pc:cxnChg chg="add mod">
+          <ac:chgData name="류제성[ 학부졸업 / 바이오의공학부 ]" userId="3a3f3c66-0f18-41b5-8b0d-013e40fcf83f" providerId="ADAL" clId="{0FE99A62-EED1-4A89-9AB0-1423C5EF2D18}" dt="2022-03-24T11:56:44.667" v="770" actId="571"/>
+          <ac:cxnSpMkLst>
+            <pc:docMk/>
+            <pc:sldMk cId="2134195379" sldId="257"/>
+            <ac:cxnSpMk id="28" creationId="{6FD1221E-F7A2-44CB-AE6D-D365C0793BDF}"/>
+          </ac:cxnSpMkLst>
+        </pc:cxnChg>
+        <pc:cxnChg chg="add mod">
+          <ac:chgData name="류제성[ 학부졸업 / 바이오의공학부 ]" userId="3a3f3c66-0f18-41b5-8b0d-013e40fcf83f" providerId="ADAL" clId="{0FE99A62-EED1-4A89-9AB0-1423C5EF2D18}" dt="2022-03-24T11:56:44.667" v="770" actId="571"/>
+          <ac:cxnSpMkLst>
+            <pc:docMk/>
+            <pc:sldMk cId="2134195379" sldId="257"/>
+            <ac:cxnSpMk id="31" creationId="{3846E636-0F28-41C7-B8A9-52B464E6F1E9}"/>
+          </ac:cxnSpMkLst>
+        </pc:cxnChg>
+        <pc:cxnChg chg="add mod">
+          <ac:chgData name="류제성[ 학부졸업 / 바이오의공학부 ]" userId="3a3f3c66-0f18-41b5-8b0d-013e40fcf83f" providerId="ADAL" clId="{0FE99A62-EED1-4A89-9AB0-1423C5EF2D18}" dt="2022-03-24T11:56:44.667" v="770" actId="571"/>
+          <ac:cxnSpMkLst>
+            <pc:docMk/>
+            <pc:sldMk cId="2134195379" sldId="257"/>
+            <ac:cxnSpMk id="32" creationId="{F887EAC8-9AC7-46DA-99C1-063D05D79CC4}"/>
+          </ac:cxnSpMkLst>
+        </pc:cxnChg>
+        <pc:cxnChg chg="add mod">
+          <ac:chgData name="류제성[ 학부졸업 / 바이오의공학부 ]" userId="3a3f3c66-0f18-41b5-8b0d-013e40fcf83f" providerId="ADAL" clId="{0FE99A62-EED1-4A89-9AB0-1423C5EF2D18}" dt="2022-03-24T12:00:56.013" v="946" actId="1076"/>
+          <ac:cxnSpMkLst>
+            <pc:docMk/>
+            <pc:sldMk cId="2134195379" sldId="257"/>
+            <ac:cxnSpMk id="35" creationId="{81A6E233-73CD-433B-84A3-32C521C33816}"/>
+          </ac:cxnSpMkLst>
+        </pc:cxnChg>
+      </pc:sldChg>
+      <pc:sldChg chg="modSp mod">
+        <pc:chgData name="류제성[ 학부졸업 / 바이오의공학부 ]" userId="3a3f3c66-0f18-41b5-8b0d-013e40fcf83f" providerId="ADAL" clId="{0FE99A62-EED1-4A89-9AB0-1423C5EF2D18}" dt="2022-03-24T12:25:18.614" v="1259" actId="14100"/>
+        <pc:sldMkLst>
+          <pc:docMk/>
+          <pc:sldMk cId="1111021829" sldId="260"/>
+        </pc:sldMkLst>
+        <pc:spChg chg="mod">
+          <ac:chgData name="류제성[ 학부졸업 / 바이오의공학부 ]" userId="3a3f3c66-0f18-41b5-8b0d-013e40fcf83f" providerId="ADAL" clId="{0FE99A62-EED1-4A89-9AB0-1423C5EF2D18}" dt="2022-03-24T12:25:18.614" v="1259" actId="14100"/>
+          <ac:spMkLst>
+            <pc:docMk/>
+            <pc:sldMk cId="1111021829" sldId="260"/>
+            <ac:spMk id="2" creationId="{0A98B022-A215-4172-9318-A37594C5F1E5}"/>
+          </ac:spMkLst>
+        </pc:spChg>
+      </pc:sldChg>
+      <pc:sldChg chg="addSp delSp modSp new mod">
+        <pc:chgData name="류제성[ 학부졸업 / 바이오의공학부 ]" userId="3a3f3c66-0f18-41b5-8b0d-013e40fcf83f" providerId="ADAL" clId="{0FE99A62-EED1-4A89-9AB0-1423C5EF2D18}" dt="2022-03-24T11:10:35.950" v="374" actId="1076"/>
+        <pc:sldMkLst>
+          <pc:docMk/>
+          <pc:sldMk cId="3295354761" sldId="261"/>
+        </pc:sldMkLst>
+        <pc:spChg chg="mod">
+          <ac:chgData name="류제성[ 학부졸업 / 바이오의공학부 ]" userId="3a3f3c66-0f18-41b5-8b0d-013e40fcf83f" providerId="ADAL" clId="{0FE99A62-EED1-4A89-9AB0-1423C5EF2D18}" dt="2022-03-24T11:10:14.839" v="333" actId="20577"/>
+          <ac:spMkLst>
+            <pc:docMk/>
+            <pc:sldMk cId="3295354761" sldId="261"/>
+            <ac:spMk id="2" creationId="{2A23642C-7045-472B-BA6E-38E53BC4C1E7}"/>
+          </ac:spMkLst>
+        </pc:spChg>
+        <pc:spChg chg="mod">
+          <ac:chgData name="류제성[ 학부졸업 / 바이오의공학부 ]" userId="3a3f3c66-0f18-41b5-8b0d-013e40fcf83f" providerId="ADAL" clId="{0FE99A62-EED1-4A89-9AB0-1423C5EF2D18}" dt="2022-03-24T11:10:25.212" v="373" actId="5793"/>
+          <ac:spMkLst>
+            <pc:docMk/>
+            <pc:sldMk cId="3295354761" sldId="261"/>
+            <ac:spMk id="3" creationId="{1D0C8FA3-AB15-4766-97D4-4480B70F06AE}"/>
+          </ac:spMkLst>
+        </pc:spChg>
+        <pc:spChg chg="add del">
+          <ac:chgData name="류제성[ 학부졸업 / 바이오의공학부 ]" userId="3a3f3c66-0f18-41b5-8b0d-013e40fcf83f" providerId="ADAL" clId="{0FE99A62-EED1-4A89-9AB0-1423C5EF2D18}" dt="2022-03-24T11:09:34.652" v="298" actId="478"/>
+          <ac:spMkLst>
+            <pc:docMk/>
+            <pc:sldMk cId="3295354761" sldId="261"/>
+            <ac:spMk id="4" creationId="{55E932C1-CEEA-4EF1-8225-B1F30F079C79}"/>
+          </ac:spMkLst>
+        </pc:spChg>
+        <pc:spChg chg="add del mod">
+          <ac:chgData name="류제성[ 학부졸업 / 바이오의공학부 ]" userId="3a3f3c66-0f18-41b5-8b0d-013e40fcf83f" providerId="ADAL" clId="{0FE99A62-EED1-4A89-9AB0-1423C5EF2D18}" dt="2022-03-24T11:09:56.890" v="313" actId="478"/>
+          <ac:spMkLst>
+            <pc:docMk/>
+            <pc:sldMk cId="3295354761" sldId="261"/>
+            <ac:spMk id="5" creationId="{C48C909A-FBA4-4A20-AA12-2509EF9470A4}"/>
+          </ac:spMkLst>
+        </pc:spChg>
+        <pc:picChg chg="add mod">
+          <ac:chgData name="류제성[ 학부졸업 / 바이오의공학부 ]" userId="3a3f3c66-0f18-41b5-8b0d-013e40fcf83f" providerId="ADAL" clId="{0FE99A62-EED1-4A89-9AB0-1423C5EF2D18}" dt="2022-03-24T11:10:35.950" v="374" actId="1076"/>
+          <ac:picMkLst>
+            <pc:docMk/>
+            <pc:sldMk cId="3295354761" sldId="261"/>
+            <ac:picMk id="1026" creationId="{B9767F2C-2583-426A-AA24-997F011592D9}"/>
+          </ac:picMkLst>
+        </pc:picChg>
+      </pc:sldChg>
+      <pc:sldChg chg="addSp delSp modSp add mod">
+        <pc:chgData name="류제성[ 학부졸업 / 바이오의공학부 ]" userId="3a3f3c66-0f18-41b5-8b0d-013e40fcf83f" providerId="ADAL" clId="{0FE99A62-EED1-4A89-9AB0-1423C5EF2D18}" dt="2022-03-24T11:59:32.534" v="872" actId="20577"/>
+        <pc:sldMkLst>
+          <pc:docMk/>
+          <pc:sldMk cId="1873424566" sldId="262"/>
+        </pc:sldMkLst>
+        <pc:spChg chg="mod">
+          <ac:chgData name="류제성[ 학부졸업 / 바이오의공학부 ]" userId="3a3f3c66-0f18-41b5-8b0d-013e40fcf83f" providerId="ADAL" clId="{0FE99A62-EED1-4A89-9AB0-1423C5EF2D18}" dt="2022-03-24T11:59:32.534" v="872" actId="20577"/>
+          <ac:spMkLst>
+            <pc:docMk/>
+            <pc:sldMk cId="1873424566" sldId="262"/>
+            <ac:spMk id="3" creationId="{34186D06-4AC7-47F9-B50E-55AFBB428B82}"/>
+          </ac:spMkLst>
+        </pc:spChg>
+        <pc:spChg chg="del">
+          <ac:chgData name="류제성[ 학부졸업 / 바이오의공학부 ]" userId="3a3f3c66-0f18-41b5-8b0d-013e40fcf83f" providerId="ADAL" clId="{0FE99A62-EED1-4A89-9AB0-1423C5EF2D18}" dt="2022-03-24T11:58:02.743" v="823" actId="478"/>
+          <ac:spMkLst>
+            <pc:docMk/>
+            <pc:sldMk cId="1873424566" sldId="262"/>
+            <ac:spMk id="12" creationId="{A58C384B-BF84-43CE-9E06-A82B16F2D7FC}"/>
+          </ac:spMkLst>
+        </pc:spChg>
+        <pc:spChg chg="del">
+          <ac:chgData name="류제성[ 학부졸업 / 바이오의공학부 ]" userId="3a3f3c66-0f18-41b5-8b0d-013e40fcf83f" providerId="ADAL" clId="{0FE99A62-EED1-4A89-9AB0-1423C5EF2D18}" dt="2022-03-24T11:58:02.743" v="823" actId="478"/>
+          <ac:spMkLst>
+            <pc:docMk/>
+            <pc:sldMk cId="1873424566" sldId="262"/>
+            <ac:spMk id="13" creationId="{BECDF933-07EB-47AF-BF7B-1FDF1A07DEA0}"/>
+          </ac:spMkLst>
+        </pc:spChg>
+        <pc:spChg chg="add mod">
+          <ac:chgData name="류제성[ 학부졸업 / 바이오의공학부 ]" userId="3a3f3c66-0f18-41b5-8b0d-013e40fcf83f" providerId="ADAL" clId="{0FE99A62-EED1-4A89-9AB0-1423C5EF2D18}" dt="2022-03-24T11:58:06.967" v="824" actId="1076"/>
+          <ac:spMkLst>
+            <pc:docMk/>
+            <pc:sldMk cId="1873424566" sldId="262"/>
+            <ac:spMk id="14" creationId="{F9CBB5A5-52A1-44E5-A900-C8AF395DAAF3}"/>
+          </ac:spMkLst>
+        </pc:spChg>
+        <pc:spChg chg="add mod">
+          <ac:chgData name="류제성[ 학부졸업 / 바이오의공학부 ]" userId="3a3f3c66-0f18-41b5-8b0d-013e40fcf83f" providerId="ADAL" clId="{0FE99A62-EED1-4A89-9AB0-1423C5EF2D18}" dt="2022-03-24T11:58:06.967" v="824" actId="1076"/>
+          <ac:spMkLst>
+            <pc:docMk/>
+            <pc:sldMk cId="1873424566" sldId="262"/>
+            <ac:spMk id="15" creationId="{95327258-88D6-4E7B-AB60-3B61F8BBE269}"/>
+          </ac:spMkLst>
+        </pc:spChg>
+        <pc:spChg chg="add mod">
+          <ac:chgData name="류제성[ 학부졸업 / 바이오의공학부 ]" userId="3a3f3c66-0f18-41b5-8b0d-013e40fcf83f" providerId="ADAL" clId="{0FE99A62-EED1-4A89-9AB0-1423C5EF2D18}" dt="2022-03-24T11:58:06.967" v="824" actId="1076"/>
+          <ac:spMkLst>
+            <pc:docMk/>
+            <pc:sldMk cId="1873424566" sldId="262"/>
+            <ac:spMk id="18" creationId="{3394DA8E-AF46-41C3-8874-BE24FDF49A52}"/>
+          </ac:spMkLst>
+        </pc:spChg>
+        <pc:spChg chg="add mod">
+          <ac:chgData name="류제성[ 학부졸업 / 바이오의공학부 ]" userId="3a3f3c66-0f18-41b5-8b0d-013e40fcf83f" providerId="ADAL" clId="{0FE99A62-EED1-4A89-9AB0-1423C5EF2D18}" dt="2022-03-24T11:58:06.967" v="824" actId="1076"/>
+          <ac:spMkLst>
+            <pc:docMk/>
+            <pc:sldMk cId="1873424566" sldId="262"/>
+            <ac:spMk id="19" creationId="{CEE0CEAD-0ECC-4BF9-81F6-BD270CFD483C}"/>
+          </ac:spMkLst>
+        </pc:spChg>
+        <pc:spChg chg="del">
+          <ac:chgData name="류제성[ 학부졸업 / 바이오의공학부 ]" userId="3a3f3c66-0f18-41b5-8b0d-013e40fcf83f" providerId="ADAL" clId="{0FE99A62-EED1-4A89-9AB0-1423C5EF2D18}" dt="2022-03-24T11:58:02.743" v="823" actId="478"/>
+          <ac:spMkLst>
+            <pc:docMk/>
+            <pc:sldMk cId="1873424566" sldId="262"/>
+            <ac:spMk id="36" creationId="{94C083E0-49CE-4135-96C7-00DA15BACF6F}"/>
+          </ac:spMkLst>
+        </pc:spChg>
+        <pc:picChg chg="del">
+          <ac:chgData name="류제성[ 학부졸업 / 바이오의공학부 ]" userId="3a3f3c66-0f18-41b5-8b0d-013e40fcf83f" providerId="ADAL" clId="{0FE99A62-EED1-4A89-9AB0-1423C5EF2D18}" dt="2022-03-24T11:58:02.743" v="823" actId="478"/>
+          <ac:picMkLst>
+            <pc:docMk/>
+            <pc:sldMk cId="1873424566" sldId="262"/>
+            <ac:picMk id="27" creationId="{F84F8732-EC05-4E28-A52F-922BA6006437}"/>
+          </ac:picMkLst>
+        </pc:picChg>
+        <pc:picChg chg="del">
+          <ac:chgData name="류제성[ 학부졸업 / 바이오의공학부 ]" userId="3a3f3c66-0f18-41b5-8b0d-013e40fcf83f" providerId="ADAL" clId="{0FE99A62-EED1-4A89-9AB0-1423C5EF2D18}" dt="2022-03-24T11:58:02.743" v="823" actId="478"/>
+          <ac:picMkLst>
+            <pc:docMk/>
+            <pc:sldMk cId="1873424566" sldId="262"/>
+            <ac:picMk id="2050" creationId="{4EEBEF7C-D7F1-4B96-93AE-7564F0AC9922}"/>
+          </ac:picMkLst>
+        </pc:picChg>
+        <pc:cxnChg chg="del">
+          <ac:chgData name="류제성[ 학부졸업 / 바이오의공학부 ]" userId="3a3f3c66-0f18-41b5-8b0d-013e40fcf83f" providerId="ADAL" clId="{0FE99A62-EED1-4A89-9AB0-1423C5EF2D18}" dt="2022-03-24T11:58:02.743" v="823" actId="478"/>
+          <ac:cxnSpMkLst>
+            <pc:docMk/>
+            <pc:sldMk cId="1873424566" sldId="262"/>
+            <ac:cxnSpMk id="5" creationId="{A39CFA39-3951-4D3B-AB47-FE40574E7417}"/>
+          </ac:cxnSpMkLst>
+        </pc:cxnChg>
+        <pc:cxnChg chg="del">
+          <ac:chgData name="류제성[ 학부졸업 / 바이오의공학부 ]" userId="3a3f3c66-0f18-41b5-8b0d-013e40fcf83f" providerId="ADAL" clId="{0FE99A62-EED1-4A89-9AB0-1423C5EF2D18}" dt="2022-03-24T11:58:02.743" v="823" actId="478"/>
+          <ac:cxnSpMkLst>
+            <pc:docMk/>
+            <pc:sldMk cId="1873424566" sldId="262"/>
+            <ac:cxnSpMk id="10" creationId="{98DA70E7-496B-46FF-918A-EFF9391C6389}"/>
+          </ac:cxnSpMkLst>
+        </pc:cxnChg>
+        <pc:cxnChg chg="add mod">
+          <ac:chgData name="류제성[ 학부졸업 / 바이오의공학부 ]" userId="3a3f3c66-0f18-41b5-8b0d-013e40fcf83f" providerId="ADAL" clId="{0FE99A62-EED1-4A89-9AB0-1423C5EF2D18}" dt="2022-03-24T11:58:06.967" v="824" actId="1076"/>
+          <ac:cxnSpMkLst>
+            <pc:docMk/>
+            <pc:sldMk cId="1873424566" sldId="262"/>
+            <ac:cxnSpMk id="16" creationId="{A24ED012-9F1C-412E-97FE-A29A11BA9FD4}"/>
+          </ac:cxnSpMkLst>
+        </pc:cxnChg>
+        <pc:cxnChg chg="add mod">
+          <ac:chgData name="류제성[ 학부졸업 / 바이오의공학부 ]" userId="3a3f3c66-0f18-41b5-8b0d-013e40fcf83f" providerId="ADAL" clId="{0FE99A62-EED1-4A89-9AB0-1423C5EF2D18}" dt="2022-03-24T11:58:06.967" v="824" actId="1076"/>
+          <ac:cxnSpMkLst>
+            <pc:docMk/>
+            <pc:sldMk cId="1873424566" sldId="262"/>
+            <ac:cxnSpMk id="17" creationId="{0BA96F74-1E2C-4D4F-99E1-7E5BF5C88657}"/>
+          </ac:cxnSpMkLst>
+        </pc:cxnChg>
+        <pc:cxnChg chg="del">
+          <ac:chgData name="류제성[ 학부졸업 / 바이오의공학부 ]" userId="3a3f3c66-0f18-41b5-8b0d-013e40fcf83f" providerId="ADAL" clId="{0FE99A62-EED1-4A89-9AB0-1423C5EF2D18}" dt="2022-03-24T11:58:02.743" v="823" actId="478"/>
+          <ac:cxnSpMkLst>
+            <pc:docMk/>
+            <pc:sldMk cId="1873424566" sldId="262"/>
+            <ac:cxnSpMk id="35" creationId="{81A6E233-73CD-433B-84A3-32C521C33816}"/>
+          </ac:cxnSpMkLst>
+        </pc:cxnChg>
+      </pc:sldChg>
+    </pc:docChg>
+  </pc:docChgLst>
+</pc:chgInfo>
 </file>
 
 <file path=ppt/ink/ink1.xml><?xml version="1.0" encoding="utf-8"?>
@@ -3802,7 +4258,26 @@
           <a:bodyPr/>
           <a:lstStyle/>
           <a:p>
-            <a:endParaRPr lang="ko-KR" altLang="en-US"/>
+            <a:r>
+              <a:rPr lang="ko-KR" altLang="en-US"/>
+              <a:t>원재성</a:t>
+            </a:r>
+            <a:r>
+              <a:rPr lang="en-US" altLang="ko-KR"/>
+              <a:t>, </a:t>
+            </a:r>
+            <a:r>
+              <a:rPr lang="ko-KR" altLang="en-US"/>
+              <a:t>장진희</a:t>
+            </a:r>
+            <a:r>
+              <a:rPr lang="en-US" altLang="ko-KR"/>
+              <a:t>, </a:t>
+            </a:r>
+            <a:r>
+              <a:rPr lang="ko-KR" altLang="en-US"/>
+              <a:t>류제성</a:t>
+            </a:r>
           </a:p>
         </p:txBody>
       </p:sp>
@@ -3858,10 +4333,25 @@
           <a:lstStyle/>
           <a:p>
             <a:r>
+              <a:rPr lang="ko-KR" altLang="en-US"/>
+              <a:t>과제</a:t>
+            </a:r>
+            <a:r>
               <a:rPr lang="en-US" altLang="ko-KR"/>
-              <a:t>FLOW</a:t>
-            </a:r>
-            <a:endParaRPr lang="ko-KR" altLang="en-US"/>
+              <a:t> : ‘</a:t>
+            </a:r>
+            <a:r>
+              <a:rPr lang="ko-KR" altLang="en-US"/>
+              <a:t>제목스러운</a:t>
+            </a:r>
+            <a:r>
+              <a:rPr lang="en-US" altLang="ko-KR"/>
+              <a:t>’</a:t>
+            </a:r>
+            <a:r>
+              <a:rPr lang="ko-KR" altLang="en-US"/>
+              <a:t> 요약문 만들기</a:t>
+            </a:r>
           </a:p>
         </p:txBody>
       </p:sp>
@@ -3881,10 +4371,15 @@
             <p:ph idx="1"/>
           </p:nvPr>
         </p:nvSpPr>
-        <p:spPr/>
+        <p:spPr>
+          <a:xfrm>
+            <a:off x="839407" y="1670630"/>
+            <a:ext cx="6854729" cy="3790088"/>
+          </a:xfrm>
+        </p:spPr>
         <p:txBody>
           <a:bodyPr>
-            <a:normAutofit fontScale="85000" lnSpcReduction="20000"/>
+            <a:normAutofit/>
           </a:bodyPr>
           <a:lstStyle/>
           <a:p>
@@ -3892,155 +4387,614 @@
               <a:buNone/>
             </a:pPr>
             <a:r>
+              <a:rPr lang="en-US" altLang="ko-KR" sz="1800"/>
+              <a:t>‘Decoder</a:t>
+            </a:r>
+            <a:r>
+              <a:rPr lang="ko-KR" altLang="en-US" sz="1800"/>
+              <a:t>의 </a:t>
+            </a:r>
+            <a:r>
+              <a:rPr lang="en-US" altLang="ko-KR" sz="1800"/>
+              <a:t>Title</a:t>
+            </a:r>
+            <a:r>
+              <a:rPr lang="ko-KR" altLang="en-US" sz="1800"/>
+              <a:t>화</a:t>
+            </a:r>
+            <a:r>
+              <a:rPr lang="en-US" altLang="ko-KR" sz="1800"/>
+              <a:t>’</a:t>
+            </a:r>
+          </a:p>
+          <a:p>
+            <a:pPr marL="0" indent="0">
+              <a:buNone/>
+            </a:pPr>
+            <a:r>
+              <a:rPr lang="en-US" altLang="ko-KR" sz="1800" b="1"/>
+              <a:t>- </a:t>
+            </a:r>
+            <a:r>
+              <a:rPr lang="ko-KR" altLang="en-US" sz="1800" b="1"/>
+              <a:t>기사 제목을 자동으로 생성해주는 것</a:t>
+            </a:r>
+            <a:endParaRPr lang="en-US" altLang="ko-KR" sz="1800" b="1"/>
+          </a:p>
+          <a:p>
+            <a:pPr marL="0" indent="0">
+              <a:buNone/>
+            </a:pPr>
+            <a:r>
+              <a:rPr lang="en-US" altLang="ko-KR" sz="1800"/>
+              <a:t>Title</a:t>
+            </a:r>
+            <a:r>
+              <a:rPr lang="ko-KR" altLang="en-US" sz="1800"/>
+              <a:t>을 </a:t>
+            </a:r>
+            <a:r>
+              <a:rPr lang="en-US" altLang="ko-KR" sz="1800"/>
+              <a:t>Label</a:t>
+            </a:r>
+            <a:r>
+              <a:rPr lang="ko-KR" altLang="en-US" sz="1800"/>
+              <a:t>로 </a:t>
+            </a:r>
+            <a:r>
+              <a:rPr lang="en-US" altLang="ko-KR" sz="1800"/>
+              <a:t>encoder-decoder </a:t>
+            </a:r>
+            <a:r>
+              <a:rPr lang="ko-KR" altLang="en-US" sz="1800"/>
+              <a:t>학습</a:t>
+            </a:r>
+            <a:endParaRPr lang="en-US" altLang="ko-KR" sz="1800"/>
+          </a:p>
+          <a:p>
+            <a:pPr marL="0" indent="0">
+              <a:buNone/>
+            </a:pPr>
+            <a:r>
+              <a:rPr lang="en-US" altLang="ko-KR" sz="1800"/>
+              <a:t>1. KoBART News (pretrained) abstractive model </a:t>
+            </a:r>
+            <a:r>
+              <a:rPr lang="ko-KR" altLang="en-US" sz="1800"/>
+              <a:t>사용</a:t>
+            </a:r>
+          </a:p>
+          <a:p>
+            <a:pPr marL="0" indent="0">
+              <a:buNone/>
+            </a:pPr>
+            <a:r>
+              <a:rPr lang="en-US" altLang="ko-KR" sz="1800"/>
+              <a:t>2. validation</a:t>
+            </a:r>
+            <a:r>
+              <a:rPr lang="ko-KR" altLang="en-US" sz="1800"/>
+              <a:t>을 위한 스포탈코리아 매거진 기사 </a:t>
+            </a:r>
+            <a:r>
+              <a:rPr lang="en-US" altLang="ko-KR" sz="1800"/>
+              <a:t>1000</a:t>
+            </a:r>
+            <a:r>
+              <a:rPr lang="ko-KR" altLang="en-US" sz="1800"/>
+              <a:t>개 크롤링 </a:t>
+            </a:r>
+            <a:r>
+              <a:rPr lang="en-US" altLang="ko-KR" sz="1800"/>
+              <a:t>(2022.03.20)</a:t>
+            </a:r>
+          </a:p>
+          <a:p>
+            <a:pPr marL="0" indent="0">
+              <a:buNone/>
+            </a:pPr>
+            <a:r>
+              <a:rPr lang="en-US" altLang="ko-KR" sz="1800"/>
+              <a:t>2. validation loss </a:t>
+            </a:r>
+            <a:r>
+              <a:rPr lang="ko-KR" altLang="en-US" sz="1800"/>
+              <a:t>최소화 기준 </a:t>
+            </a:r>
+            <a:r>
+              <a:rPr lang="en-US" altLang="ko-KR" sz="1800"/>
+              <a:t>training</a:t>
+            </a:r>
+          </a:p>
+          <a:p>
+            <a:pPr marL="0" indent="0">
+              <a:buNone/>
+            </a:pPr>
+            <a:endParaRPr lang="en-US" altLang="ko-KR" sz="1800"/>
+          </a:p>
+          <a:p>
+            <a:endParaRPr lang="en-US" altLang="ko-KR" sz="1800"/>
+          </a:p>
+          <a:p>
+            <a:endParaRPr lang="en-US" altLang="ko-KR" sz="1800"/>
+          </a:p>
+          <a:p>
+            <a:endParaRPr lang="en-US" altLang="ko-KR" sz="1800"/>
+          </a:p>
+        </p:txBody>
+      </p:sp>
+      <p:pic>
+        <p:nvPicPr>
+          <p:cNvPr id="2050" name="Picture 2" descr="BART Explained | Papers With Code">
+            <a:extLst>
+              <a:ext uri="{FF2B5EF4-FFF2-40B4-BE49-F238E27FC236}">
+                <a16:creationId xmlns:a16="http://schemas.microsoft.com/office/drawing/2014/main" id="{4EEBEF7C-D7F1-4B96-93AE-7564F0AC9922}"/>
+              </a:ext>
+            </a:extLst>
+          </p:cNvPr>
+          <p:cNvPicPr>
+            <a:picLocks noChangeAspect="1" noChangeArrowheads="1"/>
+          </p:cNvPicPr>
+          <p:nvPr/>
+        </p:nvPicPr>
+        <p:blipFill>
+          <a:blip r:embed="rId2">
+            <a:extLst>
+              <a:ext uri="{28A0092B-C50C-407E-A947-70E740481C1C}">
+                <a14:useLocalDpi xmlns:a14="http://schemas.microsoft.com/office/drawing/2010/main" val="0"/>
+              </a:ext>
+            </a:extLst>
+          </a:blip>
+          <a:srcRect/>
+          <a:stretch>
+            <a:fillRect/>
+          </a:stretch>
+        </p:blipFill>
+        <p:spPr bwMode="auto">
+          <a:xfrm>
+            <a:off x="1260525" y="4381615"/>
+            <a:ext cx="3660924" cy="1588906"/>
+          </a:xfrm>
+          <a:prstGeom prst="rect">
+            <a:avLst/>
+          </a:prstGeom>
+          <a:noFill/>
+          <a:extLst>
+            <a:ext uri="{909E8E84-426E-40DD-AFC4-6F175D3DCCD1}">
+              <a14:hiddenFill xmlns:a14="http://schemas.microsoft.com/office/drawing/2010/main">
+                <a:solidFill>
+                  <a:srgbClr val="FFFFFF"/>
+                </a:solidFill>
+              </a14:hiddenFill>
+            </a:ext>
+          </a:extLst>
+        </p:spPr>
+      </p:pic>
+      <p:cxnSp>
+        <p:nvCxnSpPr>
+          <p:cNvPr id="5" name="직선 화살표 연결선 4">
+            <a:extLst>
+              <a:ext uri="{FF2B5EF4-FFF2-40B4-BE49-F238E27FC236}">
+                <a16:creationId xmlns:a16="http://schemas.microsoft.com/office/drawing/2014/main" id="{A39CFA39-3951-4D3B-AB47-FE40574E7417}"/>
+              </a:ext>
+            </a:extLst>
+          </p:cNvPr>
+          <p:cNvCxnSpPr>
+            <a:cxnSpLocks/>
+          </p:cNvCxnSpPr>
+          <p:nvPr/>
+        </p:nvCxnSpPr>
+        <p:spPr>
+          <a:xfrm flipV="1">
+            <a:off x="4086242" y="5842965"/>
+            <a:ext cx="0" cy="255111"/>
+          </a:xfrm>
+          <a:prstGeom prst="straightConnector1">
+            <a:avLst/>
+          </a:prstGeom>
+          <a:ln>
+            <a:tailEnd type="triangle"/>
+          </a:ln>
+        </p:spPr>
+        <p:style>
+          <a:lnRef idx="1">
+            <a:schemeClr val="accent1"/>
+          </a:lnRef>
+          <a:fillRef idx="0">
+            <a:schemeClr val="accent1"/>
+          </a:fillRef>
+          <a:effectRef idx="0">
+            <a:schemeClr val="accent1"/>
+          </a:effectRef>
+          <a:fontRef idx="minor">
+            <a:schemeClr val="tx1"/>
+          </a:fontRef>
+        </p:style>
+      </p:cxnSp>
+      <p:cxnSp>
+        <p:nvCxnSpPr>
+          <p:cNvPr id="10" name="직선 화살표 연결선 9">
+            <a:extLst>
+              <a:ext uri="{FF2B5EF4-FFF2-40B4-BE49-F238E27FC236}">
+                <a16:creationId xmlns:a16="http://schemas.microsoft.com/office/drawing/2014/main" id="{98DA70E7-496B-46FF-918A-EFF9391C6389}"/>
+              </a:ext>
+            </a:extLst>
+          </p:cNvPr>
+          <p:cNvCxnSpPr>
+            <a:cxnSpLocks/>
+          </p:cNvCxnSpPr>
+          <p:nvPr/>
+        </p:nvCxnSpPr>
+        <p:spPr>
+          <a:xfrm flipV="1">
+            <a:off x="2319406" y="5843883"/>
+            <a:ext cx="0" cy="255111"/>
+          </a:xfrm>
+          <a:prstGeom prst="straightConnector1">
+            <a:avLst/>
+          </a:prstGeom>
+          <a:ln>
+            <a:tailEnd type="triangle"/>
+          </a:ln>
+        </p:spPr>
+        <p:style>
+          <a:lnRef idx="1">
+            <a:schemeClr val="accent1"/>
+          </a:lnRef>
+          <a:fillRef idx="0">
+            <a:schemeClr val="accent1"/>
+          </a:fillRef>
+          <a:effectRef idx="0">
+            <a:schemeClr val="accent1"/>
+          </a:effectRef>
+          <a:fontRef idx="minor">
+            <a:schemeClr val="tx1"/>
+          </a:fontRef>
+        </p:style>
+      </p:cxnSp>
+      <p:sp>
+        <p:nvSpPr>
+          <p:cNvPr id="12" name="TextBox 11">
+            <a:extLst>
+              <a:ext uri="{FF2B5EF4-FFF2-40B4-BE49-F238E27FC236}">
+                <a16:creationId xmlns:a16="http://schemas.microsoft.com/office/drawing/2014/main" id="{A58C384B-BF84-43CE-9E06-A82B16F2D7FC}"/>
+              </a:ext>
+            </a:extLst>
+          </p:cNvPr>
+          <p:cNvSpPr txBox="1"/>
+          <p:nvPr/>
+        </p:nvSpPr>
+        <p:spPr>
+          <a:xfrm>
+            <a:off x="1685512" y="6013562"/>
+            <a:ext cx="1146627" cy="369332"/>
+          </a:xfrm>
+          <a:prstGeom prst="rect">
+            <a:avLst/>
+          </a:prstGeom>
+          <a:noFill/>
+        </p:spPr>
+        <p:txBody>
+          <a:bodyPr wrap="square">
+            <a:spAutoFit/>
+          </a:bodyPr>
+          <a:lstStyle/>
+          <a:p>
+            <a:r>
               <a:rPr lang="en-US" altLang="ko-KR"/>
-              <a:t>1. KoBART News (pretrained) abstractive model </a:t>
-            </a:r>
-            <a:r>
-              <a:rPr lang="ko-KR" altLang="en-US"/>
-              <a:t>사용</a:t>
-            </a:r>
-          </a:p>
-          <a:p>
-            <a:pPr marL="0" indent="0">
-              <a:buNone/>
-            </a:pPr>
+              <a:t>content</a:t>
+            </a:r>
+            <a:endParaRPr lang="ko-KR" altLang="en-US"/>
+          </a:p>
+        </p:txBody>
+      </p:sp>
+      <p:sp>
+        <p:nvSpPr>
+          <p:cNvPr id="13" name="TextBox 12">
+            <a:extLst>
+              <a:ext uri="{FF2B5EF4-FFF2-40B4-BE49-F238E27FC236}">
+                <a16:creationId xmlns:a16="http://schemas.microsoft.com/office/drawing/2014/main" id="{BECDF933-07EB-47AF-BF7B-1FDF1A07DEA0}"/>
+              </a:ext>
+            </a:extLst>
+          </p:cNvPr>
+          <p:cNvSpPr txBox="1"/>
+          <p:nvPr/>
+        </p:nvSpPr>
+        <p:spPr>
+          <a:xfrm>
+            <a:off x="3405453" y="6087737"/>
+            <a:ext cx="1722638" cy="369332"/>
+          </a:xfrm>
+          <a:prstGeom prst="rect">
+            <a:avLst/>
+          </a:prstGeom>
+          <a:noFill/>
+        </p:spPr>
+        <p:txBody>
+          <a:bodyPr wrap="square">
+            <a:spAutoFit/>
+          </a:bodyPr>
+          <a:lstStyle/>
+          <a:p>
             <a:r>
               <a:rPr lang="en-US" altLang="ko-KR"/>
-              <a:t>2. validation loss </a:t>
-            </a:r>
-            <a:r>
-              <a:rPr lang="ko-KR" altLang="en-US"/>
-              <a:t>최소화 기준 </a:t>
-            </a:r>
+              <a:t>Title(label)</a:t>
+            </a:r>
+            <a:endParaRPr lang="ko-KR" altLang="en-US"/>
+          </a:p>
+        </p:txBody>
+      </p:sp>
+      <p:pic>
+        <p:nvPicPr>
+          <p:cNvPr id="27" name="Picture 2" descr="BART Explained | Papers With Code">
+            <a:extLst>
+              <a:ext uri="{FF2B5EF4-FFF2-40B4-BE49-F238E27FC236}">
+                <a16:creationId xmlns:a16="http://schemas.microsoft.com/office/drawing/2014/main" id="{F84F8732-EC05-4E28-A52F-922BA6006437}"/>
+              </a:ext>
+            </a:extLst>
+          </p:cNvPr>
+          <p:cNvPicPr>
+            <a:picLocks noChangeAspect="1" noChangeArrowheads="1"/>
+          </p:cNvPicPr>
+          <p:nvPr/>
+        </p:nvPicPr>
+        <p:blipFill rotWithShape="1">
+          <a:blip r:embed="rId2">
+            <a:extLst>
+              <a:ext uri="{28A0092B-C50C-407E-A947-70E740481C1C}">
+                <a14:useLocalDpi xmlns:a14="http://schemas.microsoft.com/office/drawing/2010/main" val="0"/>
+              </a:ext>
+            </a:extLst>
+          </a:blip>
+          <a:srcRect l="53336"/>
+          <a:stretch/>
+        </p:blipFill>
+        <p:spPr bwMode="auto">
+          <a:xfrm>
+            <a:off x="8592457" y="4507604"/>
+            <a:ext cx="1572852" cy="1462916"/>
+          </a:xfrm>
+          <a:prstGeom prst="rect">
+            <a:avLst/>
+          </a:prstGeom>
+          <a:noFill/>
+          <a:extLst>
+            <a:ext uri="{909E8E84-426E-40DD-AFC4-6F175D3DCCD1}">
+              <a14:hiddenFill xmlns:a14="http://schemas.microsoft.com/office/drawing/2010/main">
+                <a:solidFill>
+                  <a:srgbClr val="FFFFFF"/>
+                </a:solidFill>
+              </a14:hiddenFill>
+            </a:ext>
+          </a:extLst>
+        </p:spPr>
+      </p:pic>
+      <p:cxnSp>
+        <p:nvCxnSpPr>
+          <p:cNvPr id="35" name="직선 화살표 연결선 34">
+            <a:extLst>
+              <a:ext uri="{FF2B5EF4-FFF2-40B4-BE49-F238E27FC236}">
+                <a16:creationId xmlns:a16="http://schemas.microsoft.com/office/drawing/2014/main" id="{81A6E233-73CD-433B-84A3-32C521C33816}"/>
+              </a:ext>
+            </a:extLst>
+          </p:cNvPr>
+          <p:cNvCxnSpPr>
+            <a:cxnSpLocks/>
+          </p:cNvCxnSpPr>
+          <p:nvPr/>
+        </p:nvCxnSpPr>
+        <p:spPr>
+          <a:xfrm flipV="1">
+            <a:off x="9392262" y="5926591"/>
+            <a:ext cx="0" cy="255111"/>
+          </a:xfrm>
+          <a:prstGeom prst="straightConnector1">
+            <a:avLst/>
+          </a:prstGeom>
+          <a:ln>
+            <a:tailEnd type="triangle"/>
+          </a:ln>
+        </p:spPr>
+        <p:style>
+          <a:lnRef idx="1">
+            <a:schemeClr val="accent1"/>
+          </a:lnRef>
+          <a:fillRef idx="0">
+            <a:schemeClr val="accent1"/>
+          </a:fillRef>
+          <a:effectRef idx="0">
+            <a:schemeClr val="accent1"/>
+          </a:effectRef>
+          <a:fontRef idx="minor">
+            <a:schemeClr val="tx1"/>
+          </a:fontRef>
+        </p:style>
+      </p:cxnSp>
+      <p:sp>
+        <p:nvSpPr>
+          <p:cNvPr id="36" name="TextBox 35">
+            <a:extLst>
+              <a:ext uri="{FF2B5EF4-FFF2-40B4-BE49-F238E27FC236}">
+                <a16:creationId xmlns:a16="http://schemas.microsoft.com/office/drawing/2014/main" id="{94C083E0-49CE-4135-96C7-00DA15BACF6F}"/>
+              </a:ext>
+            </a:extLst>
+          </p:cNvPr>
+          <p:cNvSpPr txBox="1"/>
+          <p:nvPr/>
+        </p:nvSpPr>
+        <p:spPr>
+          <a:xfrm>
+            <a:off x="8876292" y="6256928"/>
+            <a:ext cx="1146627" cy="369332"/>
+          </a:xfrm>
+          <a:prstGeom prst="rect">
+            <a:avLst/>
+          </a:prstGeom>
+          <a:noFill/>
+        </p:spPr>
+        <p:txBody>
+          <a:bodyPr wrap="square">
+            <a:spAutoFit/>
+          </a:bodyPr>
+          <a:lstStyle/>
+          <a:p>
             <a:r>
               <a:rPr lang="en-US" altLang="ko-KR"/>
-              <a:t>training</a:t>
-            </a:r>
-          </a:p>
-          <a:p>
-            <a:endParaRPr lang="en-US" altLang="ko-KR"/>
-          </a:p>
-          <a:p>
-            <a:pPr marL="0" indent="0">
-              <a:buNone/>
-            </a:pPr>
+              <a:t>content</a:t>
+            </a:r>
+            <a:endParaRPr lang="ko-KR" altLang="en-US"/>
+          </a:p>
+        </p:txBody>
+      </p:sp>
+      <p:sp>
+        <p:nvSpPr>
+          <p:cNvPr id="37" name="TextBox 36">
+            <a:extLst>
+              <a:ext uri="{FF2B5EF4-FFF2-40B4-BE49-F238E27FC236}">
+                <a16:creationId xmlns:a16="http://schemas.microsoft.com/office/drawing/2014/main" id="{9AFDCB4F-D1FE-4848-9F2F-F7D0E3040541}"/>
+              </a:ext>
+            </a:extLst>
+          </p:cNvPr>
+          <p:cNvSpPr txBox="1"/>
+          <p:nvPr/>
+        </p:nvSpPr>
+        <p:spPr>
+          <a:xfrm>
+            <a:off x="3283017" y="4086522"/>
+            <a:ext cx="1722638" cy="369332"/>
+          </a:xfrm>
+          <a:prstGeom prst="rect">
+            <a:avLst/>
+          </a:prstGeom>
+          <a:noFill/>
+        </p:spPr>
+        <p:txBody>
+          <a:bodyPr wrap="square">
+            <a:spAutoFit/>
+          </a:bodyPr>
+          <a:lstStyle/>
+          <a:p>
             <a:r>
               <a:rPr lang="en-US" altLang="ko-KR"/>
-              <a:t>3. </a:t>
-            </a:r>
-            <a:r>
-              <a:rPr lang="ko-KR" altLang="en-US"/>
-              <a:t>평가</a:t>
-            </a:r>
+              <a:t>Minimize loss</a:t>
+            </a:r>
+            <a:endParaRPr lang="ko-KR" altLang="en-US"/>
+          </a:p>
+        </p:txBody>
+      </p:sp>
+      <p:sp>
+        <p:nvSpPr>
+          <p:cNvPr id="38" name="TextBox 37">
+            <a:extLst>
+              <a:ext uri="{FF2B5EF4-FFF2-40B4-BE49-F238E27FC236}">
+                <a16:creationId xmlns:a16="http://schemas.microsoft.com/office/drawing/2014/main" id="{C6021EA5-3DC2-400A-8335-C093F6B39AE1}"/>
+              </a:ext>
+            </a:extLst>
+          </p:cNvPr>
+          <p:cNvSpPr txBox="1"/>
+          <p:nvPr/>
+        </p:nvSpPr>
+        <p:spPr>
+          <a:xfrm>
+            <a:off x="8272267" y="4111756"/>
+            <a:ext cx="2342767" cy="369332"/>
+          </a:xfrm>
+          <a:prstGeom prst="rect">
+            <a:avLst/>
+          </a:prstGeom>
+          <a:noFill/>
+        </p:spPr>
+        <p:txBody>
+          <a:bodyPr wrap="square">
+            <a:spAutoFit/>
+          </a:bodyPr>
+          <a:lstStyle/>
+          <a:p>
             <a:r>
               <a:rPr lang="en-US" altLang="ko-KR"/>
-              <a:t>metric </a:t>
-            </a:r>
-            <a:r>
-              <a:rPr lang="ko-KR" altLang="en-US"/>
-              <a:t>정의 </a:t>
+              <a:t>Title</a:t>
+            </a:r>
+            <a:r>
+              <a:rPr lang="ko-KR" altLang="en-US"/>
+              <a:t>같은 </a:t>
             </a:r>
             <a:r>
               <a:rPr lang="en-US" altLang="ko-KR"/>
-              <a:t>:</a:t>
-            </a:r>
-          </a:p>
-          <a:p>
-            <a:pPr marL="0" indent="0">
-              <a:buNone/>
-            </a:pPr>
-            <a:r>
-              <a:rPr lang="en-US" altLang="ko-KR"/>
-              <a:t> </a:t>
-            </a:r>
-            <a:r>
-              <a:rPr lang="ko-KR" altLang="en-US"/>
-              <a:t>의미적 유사도</a:t>
-            </a:r>
-            <a:r>
-              <a:rPr lang="en-US" altLang="ko-KR"/>
-              <a:t>(embedding model) </a:t>
-            </a:r>
-            <a:r>
-              <a:rPr lang="ko-KR" altLang="en-US"/>
-              <a:t>와</a:t>
-            </a:r>
-          </a:p>
-          <a:p>
-            <a:pPr marL="0" indent="0">
-              <a:buNone/>
-            </a:pPr>
-            <a:r>
-              <a:rPr lang="ko-KR" altLang="en-US"/>
-              <a:t> 형태적 유사도</a:t>
-            </a:r>
-            <a:r>
-              <a:rPr lang="en-US" altLang="ko-KR"/>
-              <a:t>(</a:t>
-            </a:r>
-            <a:r>
-              <a:rPr lang="ko-KR" altLang="en-US"/>
-              <a:t>형태소 분리 및 불용어 제거 후 </a:t>
-            </a:r>
-            <a:r>
-              <a:rPr lang="en-US" altLang="ko-KR"/>
-              <a:t>rouge-1 f1 score)</a:t>
-            </a:r>
-          </a:p>
-          <a:p>
-            <a:pPr marL="0" indent="0">
-              <a:buNone/>
-            </a:pPr>
-            <a:r>
-              <a:rPr lang="ko-KR" altLang="en-US"/>
-              <a:t>의 평균</a:t>
-            </a:r>
-          </a:p>
-          <a:p>
+              <a:t>summary</a:t>
+            </a:r>
             <a:endParaRPr lang="ko-KR" altLang="en-US"/>
           </a:p>
-          <a:p>
-            <a:pPr marL="0" indent="0">
-              <a:buNone/>
-            </a:pPr>
-            <a:r>
-              <a:rPr lang="en-US" altLang="ko-KR"/>
-              <a:t>4. evaluation &amp; metric score </a:t>
-            </a:r>
-            <a:r>
-              <a:rPr lang="ko-KR" altLang="en-US"/>
-              <a:t>최대화 기준 </a:t>
-            </a:r>
-            <a:r>
-              <a:rPr lang="en-US" altLang="ko-KR"/>
-              <a:t>tuning</a:t>
-            </a:r>
-          </a:p>
-          <a:p>
-            <a:endParaRPr lang="en-US" altLang="ko-KR"/>
-          </a:p>
-          <a:p>
-            <a:pPr marL="0" indent="0">
-              <a:buNone/>
-            </a:pPr>
-            <a:r>
-              <a:rPr lang="en-US" altLang="ko-KR"/>
-              <a:t>5. </a:t>
-            </a:r>
-            <a:r>
-              <a:rPr lang="ko-KR" altLang="en-US"/>
-              <a:t>결과 확인</a:t>
-            </a:r>
-            <a:r>
-              <a:rPr lang="en-US" altLang="ko-KR"/>
-              <a:t>.</a:t>
-            </a:r>
-          </a:p>
-          <a:p>
-            <a:endParaRPr lang="en-US" altLang="ko-KR"/>
-          </a:p>
-          <a:p>
-            <a:endParaRPr lang="en-US" altLang="ko-KR"/>
+        </p:txBody>
+      </p:sp>
+      <p:sp>
+        <p:nvSpPr>
+          <p:cNvPr id="40" name="TextBox 39">
+            <a:extLst>
+              <a:ext uri="{FF2B5EF4-FFF2-40B4-BE49-F238E27FC236}">
+                <a16:creationId xmlns:a16="http://schemas.microsoft.com/office/drawing/2014/main" id="{700894BD-20B7-4DF7-B2D6-4ABDAAC68EB8}"/>
+              </a:ext>
+            </a:extLst>
+          </p:cNvPr>
+          <p:cNvSpPr txBox="1"/>
+          <p:nvPr/>
+        </p:nvSpPr>
+        <p:spPr>
+          <a:xfrm>
+            <a:off x="2319406" y="3683816"/>
+            <a:ext cx="1323680" cy="369332"/>
+          </a:xfrm>
+          <a:prstGeom prst="rect">
+            <a:avLst/>
+          </a:prstGeom>
+          <a:noFill/>
+        </p:spPr>
+        <p:txBody>
+          <a:bodyPr wrap="square">
+            <a:spAutoFit/>
+          </a:bodyPr>
+          <a:lstStyle/>
+          <a:p>
+            <a:r>
+              <a:rPr lang="en-US" altLang="ko-KR" sz="1800" b="1"/>
+              <a:t>Training</a:t>
+            </a:r>
+            <a:endParaRPr lang="ko-KR" altLang="en-US" sz="1800" b="1"/>
+          </a:p>
+        </p:txBody>
+      </p:sp>
+      <p:sp>
+        <p:nvSpPr>
+          <p:cNvPr id="41" name="TextBox 40">
+            <a:extLst>
+              <a:ext uri="{FF2B5EF4-FFF2-40B4-BE49-F238E27FC236}">
+                <a16:creationId xmlns:a16="http://schemas.microsoft.com/office/drawing/2014/main" id="{27CA2E62-D404-4423-AF24-737F2CC6AF46}"/>
+              </a:ext>
+            </a:extLst>
+          </p:cNvPr>
+          <p:cNvSpPr txBox="1"/>
+          <p:nvPr/>
+        </p:nvSpPr>
+        <p:spPr>
+          <a:xfrm>
+            <a:off x="8032008" y="3640682"/>
+            <a:ext cx="1323680" cy="369332"/>
+          </a:xfrm>
+          <a:prstGeom prst="rect">
+            <a:avLst/>
+          </a:prstGeom>
+          <a:noFill/>
+        </p:spPr>
+        <p:txBody>
+          <a:bodyPr wrap="square">
+            <a:spAutoFit/>
+          </a:bodyPr>
+          <a:lstStyle/>
+          <a:p>
+            <a:r>
+              <a:rPr lang="en-US" altLang="ko-KR" b="1"/>
+              <a:t>Inference</a:t>
+            </a:r>
+            <a:endParaRPr lang="ko-KR" altLang="en-US" sz="1800" b="1"/>
           </a:p>
         </p:txBody>
       </p:sp>
@@ -4058,6 +5012,537 @@
 </file>
 
 <file path=ppt/slides/slide3.xml><?xml version="1.0" encoding="utf-8"?>
+<p:sld xmlns:a="http://schemas.openxmlformats.org/drawingml/2006/main" xmlns:r="http://schemas.openxmlformats.org/officeDocument/2006/relationships" xmlns:p="http://schemas.openxmlformats.org/presentationml/2006/main">
+  <p:cSld>
+    <p:spTree>
+      <p:nvGrpSpPr>
+        <p:cNvPr id="1" name=""/>
+        <p:cNvGrpSpPr/>
+        <p:nvPr/>
+      </p:nvGrpSpPr>
+      <p:grpSpPr>
+        <a:xfrm>
+          <a:off x="0" y="0"/>
+          <a:ext cx="0" cy="0"/>
+          <a:chOff x="0" y="0"/>
+          <a:chExt cx="0" cy="0"/>
+        </a:xfrm>
+      </p:grpSpPr>
+      <p:sp>
+        <p:nvSpPr>
+          <p:cNvPr id="2" name="제목 1">
+            <a:extLst>
+              <a:ext uri="{FF2B5EF4-FFF2-40B4-BE49-F238E27FC236}">
+                <a16:creationId xmlns:a16="http://schemas.microsoft.com/office/drawing/2014/main" id="{D8AD6488-6F32-4955-8431-A9135B05B5A4}"/>
+              </a:ext>
+            </a:extLst>
+          </p:cNvPr>
+          <p:cNvSpPr>
+            <a:spLocks noGrp="1"/>
+          </p:cNvSpPr>
+          <p:nvPr>
+            <p:ph type="title"/>
+          </p:nvPr>
+        </p:nvSpPr>
+        <p:spPr/>
+        <p:txBody>
+          <a:bodyPr/>
+          <a:lstStyle/>
+          <a:p>
+            <a:r>
+              <a:rPr lang="ko-KR" altLang="en-US"/>
+              <a:t>과제</a:t>
+            </a:r>
+            <a:r>
+              <a:rPr lang="en-US" altLang="ko-KR"/>
+              <a:t> : ‘</a:t>
+            </a:r>
+            <a:r>
+              <a:rPr lang="ko-KR" altLang="en-US"/>
+              <a:t>제목스러운</a:t>
+            </a:r>
+            <a:r>
+              <a:rPr lang="en-US" altLang="ko-KR"/>
+              <a:t>’</a:t>
+            </a:r>
+            <a:r>
+              <a:rPr lang="ko-KR" altLang="en-US"/>
+              <a:t> 요약문 만들기</a:t>
+            </a:r>
+          </a:p>
+        </p:txBody>
+      </p:sp>
+      <p:sp>
+        <p:nvSpPr>
+          <p:cNvPr id="3" name="내용 개체 틀 2">
+            <a:extLst>
+              <a:ext uri="{FF2B5EF4-FFF2-40B4-BE49-F238E27FC236}">
+                <a16:creationId xmlns:a16="http://schemas.microsoft.com/office/drawing/2014/main" id="{34186D06-4AC7-47F9-B50E-55AFBB428B82}"/>
+              </a:ext>
+            </a:extLst>
+          </p:cNvPr>
+          <p:cNvSpPr>
+            <a:spLocks noGrp="1"/>
+          </p:cNvSpPr>
+          <p:nvPr>
+            <p:ph idx="1"/>
+          </p:nvPr>
+        </p:nvSpPr>
+        <p:spPr>
+          <a:xfrm>
+            <a:off x="1418771" y="1957569"/>
+            <a:ext cx="9159263" cy="3790088"/>
+          </a:xfrm>
+        </p:spPr>
+        <p:txBody>
+          <a:bodyPr>
+            <a:normAutofit/>
+          </a:bodyPr>
+          <a:lstStyle/>
+          <a:p>
+            <a:pPr marL="0" indent="0">
+              <a:buNone/>
+            </a:pPr>
+            <a:endParaRPr lang="en-US" altLang="ko-KR" sz="1600"/>
+          </a:p>
+          <a:p>
+            <a:pPr marL="0" indent="0">
+              <a:buNone/>
+            </a:pPr>
+            <a:r>
+              <a:rPr lang="en-US" altLang="ko-KR" sz="1600"/>
+              <a:t>3. </a:t>
+            </a:r>
+            <a:r>
+              <a:rPr lang="ko-KR" altLang="en-US" sz="1600"/>
+              <a:t>평가</a:t>
+            </a:r>
+            <a:r>
+              <a:rPr lang="en-US" altLang="ko-KR" sz="1600"/>
+              <a:t>metric </a:t>
+            </a:r>
+            <a:r>
+              <a:rPr lang="ko-KR" altLang="en-US" sz="1600"/>
+              <a:t>정의 </a:t>
+            </a:r>
+            <a:r>
+              <a:rPr lang="en-US" altLang="ko-KR" sz="1600"/>
+              <a:t>:</a:t>
+            </a:r>
+          </a:p>
+          <a:p>
+            <a:pPr marL="0" indent="0">
+              <a:buNone/>
+            </a:pPr>
+            <a:r>
+              <a:rPr lang="en-US" altLang="ko-KR" sz="1600"/>
+              <a:t> </a:t>
+            </a:r>
+            <a:r>
+              <a:rPr lang="ko-KR" altLang="en-US" sz="1600"/>
+              <a:t>의미적 유사도</a:t>
+            </a:r>
+            <a:r>
+              <a:rPr lang="en-US" altLang="ko-KR" sz="1600"/>
+              <a:t>(embedding model) </a:t>
+            </a:r>
+            <a:r>
+              <a:rPr lang="ko-KR" altLang="en-US" sz="1600"/>
+              <a:t>와</a:t>
+            </a:r>
+          </a:p>
+          <a:p>
+            <a:pPr marL="0" indent="0">
+              <a:buNone/>
+            </a:pPr>
+            <a:r>
+              <a:rPr lang="ko-KR" altLang="en-US" sz="1600"/>
+              <a:t> 형태적 유사도</a:t>
+            </a:r>
+            <a:r>
+              <a:rPr lang="en-US" altLang="ko-KR" sz="1600"/>
+              <a:t>(</a:t>
+            </a:r>
+            <a:r>
+              <a:rPr lang="ko-KR" altLang="en-US" sz="1600"/>
+              <a:t>형태소 분리</a:t>
+            </a:r>
+            <a:r>
+              <a:rPr lang="en-US" altLang="ko-KR" sz="1600"/>
+              <a:t>(Konlpy)</a:t>
+            </a:r>
+            <a:r>
+              <a:rPr lang="ko-KR" altLang="en-US" sz="1600"/>
+              <a:t> 및 불용어 제거 후 </a:t>
+            </a:r>
+            <a:r>
+              <a:rPr lang="en-US" altLang="ko-KR" sz="1600"/>
+              <a:t>rouge-1 f1 score)</a:t>
+            </a:r>
+          </a:p>
+          <a:p>
+            <a:pPr marL="0" indent="0">
+              <a:buNone/>
+            </a:pPr>
+            <a:r>
+              <a:rPr lang="ko-KR" altLang="en-US" sz="1600"/>
+              <a:t>의 평균</a:t>
+            </a:r>
+          </a:p>
+          <a:p>
+            <a:endParaRPr lang="ko-KR" altLang="en-US" sz="1600"/>
+          </a:p>
+          <a:p>
+            <a:pPr marL="0" indent="0">
+              <a:buNone/>
+            </a:pPr>
+            <a:r>
+              <a:rPr lang="en-US" altLang="ko-KR" sz="1600"/>
+              <a:t>4. evaluation &amp; metric score </a:t>
+            </a:r>
+            <a:r>
+              <a:rPr lang="ko-KR" altLang="en-US" sz="1600"/>
+              <a:t>최대화 기준 </a:t>
+            </a:r>
+            <a:r>
+              <a:rPr lang="en-US" altLang="ko-KR" sz="1600"/>
+              <a:t>tuning</a:t>
+            </a:r>
+          </a:p>
+          <a:p>
+            <a:endParaRPr lang="en-US" altLang="ko-KR" sz="1600"/>
+          </a:p>
+          <a:p>
+            <a:pPr marL="0" indent="0">
+              <a:buNone/>
+            </a:pPr>
+            <a:r>
+              <a:rPr lang="en-US" altLang="ko-KR" sz="1600"/>
+              <a:t>5. </a:t>
+            </a:r>
+            <a:r>
+              <a:rPr lang="ko-KR" altLang="en-US" sz="1600"/>
+              <a:t>결과 확인</a:t>
+            </a:r>
+            <a:r>
+              <a:rPr lang="en-US" altLang="ko-KR" sz="1600"/>
+              <a:t>.</a:t>
+            </a:r>
+          </a:p>
+          <a:p>
+            <a:endParaRPr lang="en-US" altLang="ko-KR" sz="1600"/>
+          </a:p>
+          <a:p>
+            <a:endParaRPr lang="en-US" altLang="ko-KR" sz="1600"/>
+          </a:p>
+        </p:txBody>
+      </p:sp>
+      <p:sp>
+        <p:nvSpPr>
+          <p:cNvPr id="14" name="직사각형 13">
+            <a:extLst>
+              <a:ext uri="{FF2B5EF4-FFF2-40B4-BE49-F238E27FC236}">
+                <a16:creationId xmlns:a16="http://schemas.microsoft.com/office/drawing/2014/main" id="{F9CBB5A5-52A1-44E5-A900-C8AF395DAAF3}"/>
+              </a:ext>
+            </a:extLst>
+          </p:cNvPr>
+          <p:cNvSpPr/>
+          <p:nvPr/>
+        </p:nvSpPr>
+        <p:spPr>
+          <a:xfrm>
+            <a:off x="8046698" y="3668051"/>
+            <a:ext cx="1491452" cy="697382"/>
+          </a:xfrm>
+          <a:prstGeom prst="rect">
+            <a:avLst/>
+          </a:prstGeom>
+        </p:spPr>
+        <p:style>
+          <a:lnRef idx="2">
+            <a:schemeClr val="accent1">
+              <a:shade val="50000"/>
+            </a:schemeClr>
+          </a:lnRef>
+          <a:fillRef idx="1">
+            <a:schemeClr val="accent1"/>
+          </a:fillRef>
+          <a:effectRef idx="0">
+            <a:schemeClr val="accent1"/>
+          </a:effectRef>
+          <a:fontRef idx="minor">
+            <a:schemeClr val="lt1"/>
+          </a:fontRef>
+        </p:style>
+        <p:txBody>
+          <a:bodyPr rtlCol="0" anchor="ctr"/>
+          <a:lstStyle/>
+          <a:p>
+            <a:pPr algn="ctr"/>
+            <a:r>
+              <a:rPr lang="ko-KR" altLang="en-US" sz="1400"/>
+              <a:t>의미적 유사성</a:t>
+            </a:r>
+            <a:endParaRPr lang="en-US" altLang="ko-KR" sz="1400"/>
+          </a:p>
+          <a:p>
+            <a:pPr algn="ctr"/>
+            <a:r>
+              <a:rPr lang="en-US" altLang="ko-KR" sz="1400"/>
+              <a:t>(embedding)</a:t>
+            </a:r>
+            <a:endParaRPr lang="ko-KR" altLang="en-US" sz="1400"/>
+          </a:p>
+        </p:txBody>
+      </p:sp>
+      <p:sp>
+        <p:nvSpPr>
+          <p:cNvPr id="15" name="직사각형 14">
+            <a:extLst>
+              <a:ext uri="{FF2B5EF4-FFF2-40B4-BE49-F238E27FC236}">
+                <a16:creationId xmlns:a16="http://schemas.microsoft.com/office/drawing/2014/main" id="{95327258-88D6-4E7B-AB60-3B61F8BBE269}"/>
+              </a:ext>
+            </a:extLst>
+          </p:cNvPr>
+          <p:cNvSpPr/>
+          <p:nvPr/>
+        </p:nvSpPr>
+        <p:spPr>
+          <a:xfrm>
+            <a:off x="10153735" y="3667593"/>
+            <a:ext cx="1559536" cy="724584"/>
+          </a:xfrm>
+          <a:prstGeom prst="rect">
+            <a:avLst/>
+          </a:prstGeom>
+        </p:spPr>
+        <p:style>
+          <a:lnRef idx="2">
+            <a:schemeClr val="accent1">
+              <a:shade val="50000"/>
+            </a:schemeClr>
+          </a:lnRef>
+          <a:fillRef idx="1">
+            <a:schemeClr val="accent1"/>
+          </a:fillRef>
+          <a:effectRef idx="0">
+            <a:schemeClr val="accent1"/>
+          </a:effectRef>
+          <a:fontRef idx="minor">
+            <a:schemeClr val="lt1"/>
+          </a:fontRef>
+        </p:style>
+        <p:txBody>
+          <a:bodyPr rtlCol="0" anchor="ctr"/>
+          <a:lstStyle/>
+          <a:p>
+            <a:pPr algn="ctr"/>
+            <a:r>
+              <a:rPr lang="ko-KR" altLang="en-US" sz="1400"/>
+              <a:t>형태적 유사성</a:t>
+            </a:r>
+            <a:r>
+              <a:rPr lang="en-US" altLang="ko-KR" sz="1400"/>
+              <a:t>(Rouge)</a:t>
+            </a:r>
+            <a:endParaRPr lang="ko-KR" altLang="en-US" sz="1400"/>
+          </a:p>
+        </p:txBody>
+      </p:sp>
+      <p:cxnSp>
+        <p:nvCxnSpPr>
+          <p:cNvPr id="16" name="직선 화살표 연결선 15">
+            <a:extLst>
+              <a:ext uri="{FF2B5EF4-FFF2-40B4-BE49-F238E27FC236}">
+                <a16:creationId xmlns:a16="http://schemas.microsoft.com/office/drawing/2014/main" id="{A24ED012-9F1C-412E-97FE-A29A11BA9FD4}"/>
+              </a:ext>
+            </a:extLst>
+          </p:cNvPr>
+          <p:cNvCxnSpPr>
+            <a:cxnSpLocks/>
+            <a:stCxn id="14" idx="0"/>
+          </p:cNvCxnSpPr>
+          <p:nvPr/>
+        </p:nvCxnSpPr>
+        <p:spPr>
+          <a:xfrm flipV="1">
+            <a:off x="8792424" y="3069197"/>
+            <a:ext cx="671177" cy="598854"/>
+          </a:xfrm>
+          <a:prstGeom prst="straightConnector1">
+            <a:avLst/>
+          </a:prstGeom>
+          <a:ln>
+            <a:tailEnd type="triangle"/>
+          </a:ln>
+        </p:spPr>
+        <p:style>
+          <a:lnRef idx="1">
+            <a:schemeClr val="accent1"/>
+          </a:lnRef>
+          <a:fillRef idx="0">
+            <a:schemeClr val="accent1"/>
+          </a:fillRef>
+          <a:effectRef idx="0">
+            <a:schemeClr val="accent1"/>
+          </a:effectRef>
+          <a:fontRef idx="minor">
+            <a:schemeClr val="tx1"/>
+          </a:fontRef>
+        </p:style>
+      </p:cxnSp>
+      <p:cxnSp>
+        <p:nvCxnSpPr>
+          <p:cNvPr id="17" name="직선 화살표 연결선 16">
+            <a:extLst>
+              <a:ext uri="{FF2B5EF4-FFF2-40B4-BE49-F238E27FC236}">
+                <a16:creationId xmlns:a16="http://schemas.microsoft.com/office/drawing/2014/main" id="{0BA96F74-1E2C-4D4F-99E1-7E5BF5C88657}"/>
+              </a:ext>
+            </a:extLst>
+          </p:cNvPr>
+          <p:cNvCxnSpPr>
+            <a:cxnSpLocks/>
+            <a:stCxn id="15" idx="0"/>
+          </p:cNvCxnSpPr>
+          <p:nvPr/>
+        </p:nvCxnSpPr>
+        <p:spPr>
+          <a:xfrm flipH="1" flipV="1">
+            <a:off x="10222565" y="3069197"/>
+            <a:ext cx="710938" cy="598396"/>
+          </a:xfrm>
+          <a:prstGeom prst="straightConnector1">
+            <a:avLst/>
+          </a:prstGeom>
+          <a:ln>
+            <a:tailEnd type="triangle"/>
+          </a:ln>
+        </p:spPr>
+        <p:style>
+          <a:lnRef idx="1">
+            <a:schemeClr val="accent1"/>
+          </a:lnRef>
+          <a:fillRef idx="0">
+            <a:schemeClr val="accent1"/>
+          </a:fillRef>
+          <a:effectRef idx="0">
+            <a:schemeClr val="accent1"/>
+          </a:effectRef>
+          <a:fontRef idx="minor">
+            <a:schemeClr val="tx1"/>
+          </a:fontRef>
+        </p:style>
+      </p:cxnSp>
+      <p:sp>
+        <p:nvSpPr>
+          <p:cNvPr id="18" name="직사각형 17">
+            <a:extLst>
+              <a:ext uri="{FF2B5EF4-FFF2-40B4-BE49-F238E27FC236}">
+                <a16:creationId xmlns:a16="http://schemas.microsoft.com/office/drawing/2014/main" id="{3394DA8E-AF46-41C3-8874-BE24FDF49A52}"/>
+              </a:ext>
+            </a:extLst>
+          </p:cNvPr>
+          <p:cNvSpPr/>
+          <p:nvPr/>
+        </p:nvSpPr>
+        <p:spPr>
+          <a:xfrm>
+            <a:off x="9086582" y="2526478"/>
+            <a:ext cx="1491452" cy="537357"/>
+          </a:xfrm>
+          <a:prstGeom prst="rect">
+            <a:avLst/>
+          </a:prstGeom>
+        </p:spPr>
+        <p:style>
+          <a:lnRef idx="2">
+            <a:schemeClr val="accent1">
+              <a:shade val="50000"/>
+            </a:schemeClr>
+          </a:lnRef>
+          <a:fillRef idx="1">
+            <a:schemeClr val="accent1"/>
+          </a:fillRef>
+          <a:effectRef idx="0">
+            <a:schemeClr val="accent1"/>
+          </a:effectRef>
+          <a:fontRef idx="minor">
+            <a:schemeClr val="lt1"/>
+          </a:fontRef>
+        </p:style>
+        <p:txBody>
+          <a:bodyPr rtlCol="0" anchor="ctr"/>
+          <a:lstStyle/>
+          <a:p>
+            <a:pPr algn="ctr"/>
+            <a:r>
+              <a:rPr lang="en-US" altLang="ko-KR" b="1"/>
+              <a:t>New metric</a:t>
+            </a:r>
+            <a:endParaRPr lang="ko-KR" altLang="en-US" b="1"/>
+          </a:p>
+        </p:txBody>
+      </p:sp>
+      <p:sp>
+        <p:nvSpPr>
+          <p:cNvPr id="19" name="더하기 기호 18">
+            <a:extLst>
+              <a:ext uri="{FF2B5EF4-FFF2-40B4-BE49-F238E27FC236}">
+                <a16:creationId xmlns:a16="http://schemas.microsoft.com/office/drawing/2014/main" id="{CEE0CEAD-0ECC-4BF9-81F6-BD270CFD483C}"/>
+              </a:ext>
+            </a:extLst>
+          </p:cNvPr>
+          <p:cNvSpPr/>
+          <p:nvPr/>
+        </p:nvSpPr>
+        <p:spPr>
+          <a:xfrm>
+            <a:off x="9689643" y="3943888"/>
+            <a:ext cx="290886" cy="278106"/>
+          </a:xfrm>
+          <a:prstGeom prst="mathPlus">
+            <a:avLst/>
+          </a:prstGeom>
+        </p:spPr>
+        <p:style>
+          <a:lnRef idx="2">
+            <a:schemeClr val="accent2">
+              <a:shade val="50000"/>
+            </a:schemeClr>
+          </a:lnRef>
+          <a:fillRef idx="1">
+            <a:schemeClr val="accent2"/>
+          </a:fillRef>
+          <a:effectRef idx="0">
+            <a:schemeClr val="accent2"/>
+          </a:effectRef>
+          <a:fontRef idx="minor">
+            <a:schemeClr val="lt1"/>
+          </a:fontRef>
+        </p:style>
+        <p:txBody>
+          <a:bodyPr rtlCol="0" anchor="ctr"/>
+          <a:lstStyle/>
+          <a:p>
+            <a:pPr algn="ctr"/>
+            <a:endParaRPr lang="ko-KR" altLang="en-US"/>
+          </a:p>
+        </p:txBody>
+      </p:sp>
+    </p:spTree>
+    <p:extLst>
+      <p:ext uri="{BB962C8B-B14F-4D97-AF65-F5344CB8AC3E}">
+        <p14:creationId xmlns:p14="http://schemas.microsoft.com/office/powerpoint/2010/main" val="1873424566"/>
+      </p:ext>
+    </p:extLst>
+  </p:cSld>
+  <p:clrMapOvr>
+    <a:masterClrMapping/>
+  </p:clrMapOvr>
+</p:sld>
+</file>
+
+<file path=ppt/slides/slide4.xml><?xml version="1.0" encoding="utf-8"?>
 <p:sld xmlns:a="http://schemas.openxmlformats.org/drawingml/2006/main" xmlns:r="http://schemas.openxmlformats.org/officeDocument/2006/relationships" xmlns:p="http://schemas.openxmlformats.org/presentationml/2006/main">
   <p:cSld>
     <p:spTree>
@@ -4194,7 +5679,7 @@
 </p:sld>
 </file>
 
-<file path=ppt/slides/slide4.xml><?xml version="1.0" encoding="utf-8"?>
+<file path=ppt/slides/slide5.xml><?xml version="1.0" encoding="utf-8"?>
 <p:sld xmlns:a="http://schemas.openxmlformats.org/drawingml/2006/main" xmlns:r="http://schemas.openxmlformats.org/officeDocument/2006/relationships" xmlns:p="http://schemas.openxmlformats.org/presentationml/2006/main">
   <p:cSld>
     <p:spTree>
@@ -4328,8 +5813,8 @@
             <a:chExt cx="3124800" cy="496440"/>
           </a:xfrm>
         </p:grpSpPr>
-        <mc:AlternateContent xmlns:mc="http://schemas.openxmlformats.org/markup-compatibility/2006">
-          <mc:Choice xmlns:p14="http://schemas.microsoft.com/office/powerpoint/2010/main" Requires="p14">
+        <mc:AlternateContent xmlns:mc="http://schemas.openxmlformats.org/markup-compatibility/2006" xmlns:p14="http://schemas.microsoft.com/office/powerpoint/2010/main">
+          <mc:Choice Requires="p14">
             <p:contentPart p14:bwMode="auto" r:id="rId3">
               <p14:nvContentPartPr>
                 <p14:cNvPr id="6" name="잉크 5">
@@ -4348,7 +5833,7 @@
               </p14:xfrm>
             </p:contentPart>
           </mc:Choice>
-          <mc:Fallback>
+          <mc:Fallback xmlns="">
             <p:pic>
               <p:nvPicPr>
                 <p:cNvPr id="6" name="잉크 5">
@@ -4379,8 +5864,8 @@
             </p:pic>
           </mc:Fallback>
         </mc:AlternateContent>
-        <mc:AlternateContent xmlns:mc="http://schemas.openxmlformats.org/markup-compatibility/2006">
-          <mc:Choice xmlns:p14="http://schemas.microsoft.com/office/powerpoint/2010/main" Requires="p14">
+        <mc:AlternateContent xmlns:mc="http://schemas.openxmlformats.org/markup-compatibility/2006" xmlns:p14="http://schemas.microsoft.com/office/powerpoint/2010/main">
+          <mc:Choice Requires="p14">
             <p:contentPart p14:bwMode="auto" r:id="rId5">
               <p14:nvContentPartPr>
                 <p14:cNvPr id="7" name="잉크 6">
@@ -4399,7 +5884,7 @@
               </p14:xfrm>
             </p:contentPart>
           </mc:Choice>
-          <mc:Fallback>
+          <mc:Fallback xmlns="">
             <p:pic>
               <p:nvPicPr>
                 <p:cNvPr id="7" name="잉크 6">
@@ -4430,8 +5915,8 @@
             </p:pic>
           </mc:Fallback>
         </mc:AlternateContent>
-        <mc:AlternateContent xmlns:mc="http://schemas.openxmlformats.org/markup-compatibility/2006">
-          <mc:Choice xmlns:p14="http://schemas.microsoft.com/office/powerpoint/2010/main" Requires="p14">
+        <mc:AlternateContent xmlns:mc="http://schemas.openxmlformats.org/markup-compatibility/2006" xmlns:p14="http://schemas.microsoft.com/office/powerpoint/2010/main">
+          <mc:Choice Requires="p14">
             <p:contentPart p14:bwMode="auto" r:id="rId7">
               <p14:nvContentPartPr>
                 <p14:cNvPr id="8" name="잉크 7">
@@ -4450,7 +5935,7 @@
               </p14:xfrm>
             </p:contentPart>
           </mc:Choice>
-          <mc:Fallback>
+          <mc:Fallback xmlns="">
             <p:pic>
               <p:nvPicPr>
                 <p:cNvPr id="8" name="잉크 7">
@@ -4481,8 +5966,8 @@
             </p:pic>
           </mc:Fallback>
         </mc:AlternateContent>
-        <mc:AlternateContent xmlns:mc="http://schemas.openxmlformats.org/markup-compatibility/2006">
-          <mc:Choice xmlns:p14="http://schemas.microsoft.com/office/powerpoint/2010/main" Requires="p14">
+        <mc:AlternateContent xmlns:mc="http://schemas.openxmlformats.org/markup-compatibility/2006" xmlns:p14="http://schemas.microsoft.com/office/powerpoint/2010/main">
+          <mc:Choice Requires="p14">
             <p:contentPart p14:bwMode="auto" r:id="rId9">
               <p14:nvContentPartPr>
                 <p14:cNvPr id="9" name="잉크 8">
@@ -4501,7 +5986,7 @@
               </p14:xfrm>
             </p:contentPart>
           </mc:Choice>
-          <mc:Fallback>
+          <mc:Fallback xmlns="">
             <p:pic>
               <p:nvPicPr>
                 <p:cNvPr id="9" name="잉크 8">
@@ -4533,8 +6018,8 @@
           </mc:Fallback>
         </mc:AlternateContent>
       </p:grpSp>
-      <mc:AlternateContent xmlns:mc="http://schemas.openxmlformats.org/markup-compatibility/2006">
-        <mc:Choice xmlns:p14="http://schemas.microsoft.com/office/powerpoint/2010/main" Requires="p14">
+      <mc:AlternateContent xmlns:mc="http://schemas.openxmlformats.org/markup-compatibility/2006" xmlns:p14="http://schemas.microsoft.com/office/powerpoint/2010/main">
+        <mc:Choice Requires="p14">
           <p:contentPart p14:bwMode="auto" r:id="rId11">
             <p14:nvContentPartPr>
               <p14:cNvPr id="11" name="잉크 10">
@@ -4553,7 +6038,7 @@
             </p14:xfrm>
           </p:contentPart>
         </mc:Choice>
-        <mc:Fallback>
+        <mc:Fallback xmlns="">
           <p:pic>
             <p:nvPicPr>
               <p:cNvPr id="11" name="잉크 10">
@@ -4584,8 +6069,8 @@
           </p:pic>
         </mc:Fallback>
       </mc:AlternateContent>
-      <mc:AlternateContent xmlns:mc="http://schemas.openxmlformats.org/markup-compatibility/2006">
-        <mc:Choice xmlns:p14="http://schemas.microsoft.com/office/powerpoint/2010/main" Requires="p14">
+      <mc:AlternateContent xmlns:mc="http://schemas.openxmlformats.org/markup-compatibility/2006" xmlns:p14="http://schemas.microsoft.com/office/powerpoint/2010/main">
+        <mc:Choice Requires="p14">
           <p:contentPart p14:bwMode="auto" r:id="rId13">
             <p14:nvContentPartPr>
               <p14:cNvPr id="12" name="잉크 11">
@@ -4604,7 +6089,7 @@
             </p14:xfrm>
           </p:contentPart>
         </mc:Choice>
-        <mc:Fallback>
+        <mc:Fallback xmlns="">
           <p:pic>
             <p:nvPicPr>
               <p:cNvPr id="12" name="잉크 11">
@@ -4655,8 +6140,8 @@
             <a:chExt cx="2455560" cy="435600"/>
           </a:xfrm>
         </p:grpSpPr>
-        <mc:AlternateContent xmlns:mc="http://schemas.openxmlformats.org/markup-compatibility/2006">
-          <mc:Choice xmlns:p14="http://schemas.microsoft.com/office/powerpoint/2010/main" Requires="p14">
+        <mc:AlternateContent xmlns:mc="http://schemas.openxmlformats.org/markup-compatibility/2006" xmlns:p14="http://schemas.microsoft.com/office/powerpoint/2010/main">
+          <mc:Choice Requires="p14">
             <p:contentPart p14:bwMode="auto" r:id="rId15">
               <p14:nvContentPartPr>
                 <p14:cNvPr id="13" name="잉크 12">
@@ -4675,7 +6160,7 @@
               </p14:xfrm>
             </p:contentPart>
           </mc:Choice>
-          <mc:Fallback>
+          <mc:Fallback xmlns="">
             <p:pic>
               <p:nvPicPr>
                 <p:cNvPr id="13" name="잉크 12">
@@ -4706,8 +6191,8 @@
             </p:pic>
           </mc:Fallback>
         </mc:AlternateContent>
-        <mc:AlternateContent xmlns:mc="http://schemas.openxmlformats.org/markup-compatibility/2006">
-          <mc:Choice xmlns:p14="http://schemas.microsoft.com/office/powerpoint/2010/main" Requires="p14">
+        <mc:AlternateContent xmlns:mc="http://schemas.openxmlformats.org/markup-compatibility/2006" xmlns:p14="http://schemas.microsoft.com/office/powerpoint/2010/main">
+          <mc:Choice Requires="p14">
             <p:contentPart p14:bwMode="auto" r:id="rId17">
               <p14:nvContentPartPr>
                 <p14:cNvPr id="14" name="잉크 13">
@@ -4726,7 +6211,7 @@
               </p14:xfrm>
             </p:contentPart>
           </mc:Choice>
-          <mc:Fallback>
+          <mc:Fallback xmlns="">
             <p:pic>
               <p:nvPicPr>
                 <p:cNvPr id="14" name="잉크 13">
@@ -4757,8 +6242,8 @@
             </p:pic>
           </mc:Fallback>
         </mc:AlternateContent>
-        <mc:AlternateContent xmlns:mc="http://schemas.openxmlformats.org/markup-compatibility/2006">
-          <mc:Choice xmlns:p14="http://schemas.microsoft.com/office/powerpoint/2010/main" Requires="p14">
+        <mc:AlternateContent xmlns:mc="http://schemas.openxmlformats.org/markup-compatibility/2006" xmlns:p14="http://schemas.microsoft.com/office/powerpoint/2010/main">
+          <mc:Choice Requires="p14">
             <p:contentPart p14:bwMode="auto" r:id="rId19">
               <p14:nvContentPartPr>
                 <p14:cNvPr id="15" name="잉크 14">
@@ -4777,7 +6262,7 @@
               </p14:xfrm>
             </p:contentPart>
           </mc:Choice>
-          <mc:Fallback>
+          <mc:Fallback xmlns="">
             <p:pic>
               <p:nvPicPr>
                 <p:cNvPr id="15" name="잉크 14">
@@ -4808,8 +6293,8 @@
             </p:pic>
           </mc:Fallback>
         </mc:AlternateContent>
-        <mc:AlternateContent xmlns:mc="http://schemas.openxmlformats.org/markup-compatibility/2006">
-          <mc:Choice xmlns:p14="http://schemas.microsoft.com/office/powerpoint/2010/main" Requires="p14">
+        <mc:AlternateContent xmlns:mc="http://schemas.openxmlformats.org/markup-compatibility/2006" xmlns:p14="http://schemas.microsoft.com/office/powerpoint/2010/main">
+          <mc:Choice Requires="p14">
             <p:contentPart p14:bwMode="auto" r:id="rId21">
               <p14:nvContentPartPr>
                 <p14:cNvPr id="16" name="잉크 15">
@@ -4828,7 +6313,7 @@
               </p14:xfrm>
             </p:contentPart>
           </mc:Choice>
-          <mc:Fallback>
+          <mc:Fallback xmlns="">
             <p:pic>
               <p:nvPicPr>
                 <p:cNvPr id="16" name="잉크 15">
@@ -4859,8 +6344,8 @@
             </p:pic>
           </mc:Fallback>
         </mc:AlternateContent>
-        <mc:AlternateContent xmlns:mc="http://schemas.openxmlformats.org/markup-compatibility/2006">
-          <mc:Choice xmlns:p14="http://schemas.microsoft.com/office/powerpoint/2010/main" Requires="p14">
+        <mc:AlternateContent xmlns:mc="http://schemas.openxmlformats.org/markup-compatibility/2006" xmlns:p14="http://schemas.microsoft.com/office/powerpoint/2010/main">
+          <mc:Choice Requires="p14">
             <p:contentPart p14:bwMode="auto" r:id="rId23">
               <p14:nvContentPartPr>
                 <p14:cNvPr id="17" name="잉크 16">
@@ -4879,7 +6364,7 @@
               </p14:xfrm>
             </p:contentPart>
           </mc:Choice>
-          <mc:Fallback>
+          <mc:Fallback xmlns="">
             <p:pic>
               <p:nvPicPr>
                 <p:cNvPr id="17" name="잉크 16">
@@ -4931,8 +6416,8 @@
             <a:chExt cx="339480" cy="344160"/>
           </a:xfrm>
         </p:grpSpPr>
-        <mc:AlternateContent xmlns:mc="http://schemas.openxmlformats.org/markup-compatibility/2006">
-          <mc:Choice xmlns:p14="http://schemas.microsoft.com/office/powerpoint/2010/main" Requires="p14">
+        <mc:AlternateContent xmlns:mc="http://schemas.openxmlformats.org/markup-compatibility/2006" xmlns:p14="http://schemas.microsoft.com/office/powerpoint/2010/main">
+          <mc:Choice Requires="p14">
             <p:contentPart p14:bwMode="auto" r:id="rId25">
               <p14:nvContentPartPr>
                 <p14:cNvPr id="19" name="잉크 18">
@@ -4951,7 +6436,7 @@
               </p14:xfrm>
             </p:contentPart>
           </mc:Choice>
-          <mc:Fallback>
+          <mc:Fallback xmlns="">
             <p:pic>
               <p:nvPicPr>
                 <p:cNvPr id="19" name="잉크 18">
@@ -4982,8 +6467,8 @@
             </p:pic>
           </mc:Fallback>
         </mc:AlternateContent>
-        <mc:AlternateContent xmlns:mc="http://schemas.openxmlformats.org/markup-compatibility/2006">
-          <mc:Choice xmlns:p14="http://schemas.microsoft.com/office/powerpoint/2010/main" Requires="p14">
+        <mc:AlternateContent xmlns:mc="http://schemas.openxmlformats.org/markup-compatibility/2006" xmlns:p14="http://schemas.microsoft.com/office/powerpoint/2010/main">
+          <mc:Choice Requires="p14">
             <p:contentPart p14:bwMode="auto" r:id="rId27">
               <p14:nvContentPartPr>
                 <p14:cNvPr id="20" name="잉크 19">
@@ -5002,7 +6487,7 @@
               </p14:xfrm>
             </p:contentPart>
           </mc:Choice>
-          <mc:Fallback>
+          <mc:Fallback xmlns="">
             <p:pic>
               <p:nvPicPr>
                 <p:cNvPr id="20" name="잉크 19">
@@ -5033,8 +6518,8 @@
             </p:pic>
           </mc:Fallback>
         </mc:AlternateContent>
-        <mc:AlternateContent xmlns:mc="http://schemas.openxmlformats.org/markup-compatibility/2006">
-          <mc:Choice xmlns:p14="http://schemas.microsoft.com/office/powerpoint/2010/main" Requires="p14">
+        <mc:AlternateContent xmlns:mc="http://schemas.openxmlformats.org/markup-compatibility/2006" xmlns:p14="http://schemas.microsoft.com/office/powerpoint/2010/main">
+          <mc:Choice Requires="p14">
             <p:contentPart p14:bwMode="auto" r:id="rId29">
               <p14:nvContentPartPr>
                 <p14:cNvPr id="21" name="잉크 20">
@@ -5053,7 +6538,7 @@
               </p14:xfrm>
             </p:contentPart>
           </mc:Choice>
-          <mc:Fallback>
+          <mc:Fallback xmlns="">
             <p:pic>
               <p:nvPicPr>
                 <p:cNvPr id="21" name="잉크 20">
@@ -5098,7 +6583,7 @@
 </p:sld>
 </file>
 
-<file path=ppt/slides/slide5.xml><?xml version="1.0" encoding="utf-8"?>
+<file path=ppt/slides/slide6.xml><?xml version="1.0" encoding="utf-8"?>
 <p:sld xmlns:a="http://schemas.openxmlformats.org/drawingml/2006/main" xmlns:r="http://schemas.openxmlformats.org/officeDocument/2006/relationships" xmlns:p="http://schemas.openxmlformats.org/presentationml/2006/main">
   <p:cSld>
     <p:spTree>
@@ -5131,19 +6616,41 @@
             <p:ph type="title"/>
           </p:nvPr>
         </p:nvSpPr>
-        <p:spPr/>
+        <p:spPr>
+          <a:xfrm>
+            <a:off x="368300" y="365125"/>
+            <a:ext cx="11455400" cy="1325563"/>
+          </a:xfrm>
+        </p:spPr>
         <p:txBody>
           <a:bodyPr/>
           <a:lstStyle/>
           <a:p>
             <a:r>
+              <a:rPr lang="ko-KR" altLang="en-US"/>
+              <a:t>평가 지표를 평가</a:t>
+            </a:r>
+            <a:r>
               <a:rPr lang="en-US" altLang="ko-KR"/>
-              <a:t>Test set </a:t>
-            </a:r>
-            <a:r>
-              <a:rPr lang="ko-KR" altLang="en-US"/>
-              <a:t>높은 점수와 낮은 점수 비교</a:t>
-            </a:r>
+              <a:t>(</a:t>
+            </a:r>
+            <a:r>
+              <a:rPr lang="ko-KR" altLang="en-US"/>
+              <a:t>모두 </a:t>
+            </a:r>
+            <a:r>
+              <a:rPr lang="en-US" altLang="ko-KR"/>
+              <a:t>testset</a:t>
+            </a:r>
+            <a:r>
+              <a:rPr lang="ko-KR" altLang="en-US"/>
+              <a:t>의 </a:t>
+            </a:r>
+            <a:r>
+              <a:rPr lang="en-US" altLang="ko-KR"/>
+              <a:t>inference)</a:t>
+            </a:r>
+            <a:endParaRPr lang="ko-KR" altLang="en-US"/>
           </a:p>
         </p:txBody>
       </p:sp>
@@ -5218,8 +6725,8 @@
           </a:p>
         </p:txBody>
       </p:sp>
-      <mc:AlternateContent xmlns:mc="http://schemas.openxmlformats.org/markup-compatibility/2006">
-        <mc:Choice xmlns:p14="http://schemas.microsoft.com/office/powerpoint/2010/main" Requires="p14">
+      <mc:AlternateContent xmlns:mc="http://schemas.openxmlformats.org/markup-compatibility/2006" xmlns:p14="http://schemas.microsoft.com/office/powerpoint/2010/main">
+        <mc:Choice Requires="p14">
           <p:contentPart p14:bwMode="auto" r:id="rId2">
             <p14:nvContentPartPr>
               <p14:cNvPr id="4" name="잉크 3">
@@ -5238,7 +6745,7 @@
             </p14:xfrm>
           </p:contentPart>
         </mc:Choice>
-        <mc:Fallback>
+        <mc:Fallback xmlns="">
           <p:pic>
             <p:nvPicPr>
               <p:cNvPr id="4" name="잉크 3">
@@ -5333,6 +6840,226 @@
     <p:extLst>
       <p:ext uri="{BB962C8B-B14F-4D97-AF65-F5344CB8AC3E}">
         <p14:creationId xmlns:p14="http://schemas.microsoft.com/office/powerpoint/2010/main" val="1111021829"/>
+      </p:ext>
+    </p:extLst>
+  </p:cSld>
+  <p:clrMapOvr>
+    <a:masterClrMapping/>
+  </p:clrMapOvr>
+</p:sld>
+</file>
+
+<file path=ppt/slides/slide7.xml><?xml version="1.0" encoding="utf-8"?>
+<p:sld xmlns:a="http://schemas.openxmlformats.org/drawingml/2006/main" xmlns:r="http://schemas.openxmlformats.org/officeDocument/2006/relationships" xmlns:p="http://schemas.openxmlformats.org/presentationml/2006/main">
+  <p:cSld>
+    <p:spTree>
+      <p:nvGrpSpPr>
+        <p:cNvPr id="1" name=""/>
+        <p:cNvGrpSpPr/>
+        <p:nvPr/>
+      </p:nvGrpSpPr>
+      <p:grpSpPr>
+        <a:xfrm>
+          <a:off x="0" y="0"/>
+          <a:ext cx="0" cy="0"/>
+          <a:chOff x="0" y="0"/>
+          <a:chExt cx="0" cy="0"/>
+        </a:xfrm>
+      </p:grpSpPr>
+      <p:sp>
+        <p:nvSpPr>
+          <p:cNvPr id="2" name="제목 1">
+            <a:extLst>
+              <a:ext uri="{FF2B5EF4-FFF2-40B4-BE49-F238E27FC236}">
+                <a16:creationId xmlns:a16="http://schemas.microsoft.com/office/drawing/2014/main" id="{2A23642C-7045-472B-BA6E-38E53BC4C1E7}"/>
+              </a:ext>
+            </a:extLst>
+          </p:cNvPr>
+          <p:cNvSpPr>
+            <a:spLocks noGrp="1"/>
+          </p:cNvSpPr>
+          <p:nvPr>
+            <p:ph type="title"/>
+          </p:nvPr>
+        </p:nvSpPr>
+        <p:spPr/>
+        <p:txBody>
+          <a:bodyPr/>
+          <a:lstStyle/>
+          <a:p>
+            <a:r>
+              <a:rPr lang="ko-KR" altLang="en-US"/>
+              <a:t>일</a:t>
+            </a:r>
+            <a:r>
+              <a:rPr lang="en-US" altLang="ko-KR"/>
+              <a:t>(x)</a:t>
+            </a:r>
+            <a:r>
+              <a:rPr lang="ko-KR" altLang="en-US"/>
+              <a:t>성장</a:t>
+            </a:r>
+            <a:r>
+              <a:rPr lang="en-US" altLang="ko-KR"/>
+              <a:t>(o)</a:t>
+            </a:r>
+            <a:endParaRPr lang="ko-KR" altLang="en-US"/>
+          </a:p>
+        </p:txBody>
+      </p:sp>
+      <p:sp>
+        <p:nvSpPr>
+          <p:cNvPr id="3" name="내용 개체 틀 2">
+            <a:extLst>
+              <a:ext uri="{FF2B5EF4-FFF2-40B4-BE49-F238E27FC236}">
+                <a16:creationId xmlns:a16="http://schemas.microsoft.com/office/drawing/2014/main" id="{1D0C8FA3-AB15-4766-97D4-4480B70F06AE}"/>
+              </a:ext>
+            </a:extLst>
+          </p:cNvPr>
+          <p:cNvSpPr>
+            <a:spLocks noGrp="1"/>
+          </p:cNvSpPr>
+          <p:nvPr>
+            <p:ph idx="1"/>
+          </p:nvPr>
+        </p:nvSpPr>
+        <p:spPr>
+          <a:xfrm>
+            <a:off x="838199" y="1825624"/>
+            <a:ext cx="10515600" cy="4351338"/>
+          </a:xfrm>
+        </p:spPr>
+        <p:txBody>
+          <a:bodyPr/>
+          <a:lstStyle/>
+          <a:p>
+            <a:r>
+              <a:rPr lang="en-US" altLang="ko-KR"/>
+              <a:t>1</a:t>
+            </a:r>
+            <a:r>
+              <a:rPr lang="ko-KR" altLang="en-US"/>
+              <a:t>명 </a:t>
+            </a:r>
+            <a:r>
+              <a:rPr lang="en-US" altLang="ko-KR"/>
+              <a:t>: </a:t>
+            </a:r>
+            <a:r>
+              <a:rPr lang="ko-KR" altLang="en-US"/>
+              <a:t>중도취업</a:t>
+            </a:r>
+            <a:endParaRPr lang="en-US" altLang="ko-KR"/>
+          </a:p>
+          <a:p>
+            <a:r>
+              <a:rPr lang="en-US" altLang="ko-KR"/>
+              <a:t>1</a:t>
+            </a:r>
+            <a:r>
+              <a:rPr lang="ko-KR" altLang="en-US"/>
+              <a:t>명 </a:t>
+            </a:r>
+            <a:r>
+              <a:rPr lang="en-US" altLang="ko-KR"/>
+              <a:t>: </a:t>
+            </a:r>
+            <a:r>
+              <a:rPr lang="ko-KR" altLang="en-US"/>
+              <a:t>잠수</a:t>
+            </a:r>
+            <a:r>
+              <a:rPr lang="en-US" altLang="ko-KR"/>
+              <a:t>(?)</a:t>
+            </a:r>
+          </a:p>
+          <a:p>
+            <a:pPr marL="0" indent="0">
+              <a:buNone/>
+            </a:pPr>
+            <a:endParaRPr lang="en-US" altLang="ko-KR"/>
+          </a:p>
+          <a:p>
+            <a:pPr marL="0" indent="0">
+              <a:buNone/>
+            </a:pPr>
+            <a:r>
+              <a:rPr lang="en-US" altLang="ko-KR"/>
+              <a:t>3</a:t>
+            </a:r>
+            <a:r>
+              <a:rPr lang="ko-KR" altLang="en-US"/>
+              <a:t>명이서 프로젝트 진행</a:t>
+            </a:r>
+            <a:endParaRPr lang="en-US" altLang="ko-KR"/>
+          </a:p>
+          <a:p>
+            <a:pPr marL="0" indent="0">
+              <a:buNone/>
+            </a:pPr>
+            <a:r>
+              <a:rPr lang="en-US" altLang="ko-KR"/>
+              <a:t>-&gt; </a:t>
+            </a:r>
+            <a:r>
+              <a:rPr lang="ko-KR" altLang="en-US"/>
+              <a:t>오히려 좋아</a:t>
+            </a:r>
+            <a:endParaRPr lang="en-US" altLang="ko-KR"/>
+          </a:p>
+        </p:txBody>
+      </p:sp>
+      <p:pic>
+        <p:nvPicPr>
+          <p:cNvPr id="1026" name="Picture 2" descr="베스킨라빈스 나눠먹는 와츄원">
+            <a:extLst>
+              <a:ext uri="{FF2B5EF4-FFF2-40B4-BE49-F238E27FC236}">
+                <a16:creationId xmlns:a16="http://schemas.microsoft.com/office/drawing/2014/main" id="{B9767F2C-2583-426A-AA24-997F011592D9}"/>
+              </a:ext>
+            </a:extLst>
+          </p:cNvPr>
+          <p:cNvPicPr>
+            <a:picLocks noChangeAspect="1" noChangeArrowheads="1"/>
+          </p:cNvPicPr>
+          <p:nvPr/>
+        </p:nvPicPr>
+        <p:blipFill>
+          <a:blip r:embed="rId2">
+            <a:extLst>
+              <a:ext uri="{28A0092B-C50C-407E-A947-70E740481C1C}">
+                <a14:useLocalDpi xmlns:a14="http://schemas.microsoft.com/office/drawing/2010/main" val="0"/>
+              </a:ext>
+            </a:extLst>
+          </a:blip>
+          <a:srcRect/>
+          <a:stretch>
+            <a:fillRect/>
+          </a:stretch>
+        </p:blipFill>
+        <p:spPr bwMode="auto">
+          <a:xfrm>
+            <a:off x="5152767" y="1253331"/>
+            <a:ext cx="5884452" cy="4351338"/>
+          </a:xfrm>
+          <a:prstGeom prst="rect">
+            <a:avLst/>
+          </a:prstGeom>
+          <a:noFill/>
+          <a:extLst>
+            <a:ext uri="{909E8E84-426E-40DD-AFC4-6F175D3DCCD1}">
+              <a14:hiddenFill xmlns:a14="http://schemas.microsoft.com/office/drawing/2010/main">
+                <a:solidFill>
+                  <a:srgbClr val="FFFFFF"/>
+                </a:solidFill>
+              </a14:hiddenFill>
+            </a:ext>
+          </a:extLst>
+        </p:spPr>
+      </p:pic>
+    </p:spTree>
+    <p:extLst>
+      <p:ext uri="{BB962C8B-B14F-4D97-AF65-F5344CB8AC3E}">
+        <p14:creationId xmlns:p14="http://schemas.microsoft.com/office/powerpoint/2010/main" val="3295354761"/>
       </p:ext>
     </p:extLst>
   </p:cSld>
